--- a/網頁點餐系統.pptx
+++ b/網頁點餐系統.pptx
@@ -5,10 +5,10 @@
     <p:sldMasterId id="2147483684" r:id="rId1"/>
   </p:sldMasterIdLst>
   <p:notesMasterIdLst>
-    <p:notesMasterId r:id="rId15"/>
+    <p:notesMasterId r:id="rId16"/>
   </p:notesMasterIdLst>
   <p:handoutMasterIdLst>
-    <p:handoutMasterId r:id="rId16"/>
+    <p:handoutMasterId r:id="rId17"/>
   </p:handoutMasterIdLst>
   <p:sldIdLst>
     <p:sldId id="256" r:id="rId2"/>
@@ -19,11 +19,12 @@
     <p:sldId id="260" r:id="rId7"/>
     <p:sldId id="275" r:id="rId8"/>
     <p:sldId id="263" r:id="rId9"/>
-    <p:sldId id="265" r:id="rId10"/>
-    <p:sldId id="276" r:id="rId11"/>
-    <p:sldId id="266" r:id="rId12"/>
-    <p:sldId id="264" r:id="rId13"/>
-    <p:sldId id="267" r:id="rId14"/>
+    <p:sldId id="276" r:id="rId10"/>
+    <p:sldId id="277" r:id="rId11"/>
+    <p:sldId id="265" r:id="rId12"/>
+    <p:sldId id="266" r:id="rId13"/>
+    <p:sldId id="264" r:id="rId14"/>
+    <p:sldId id="267" r:id="rId15"/>
   </p:sldIdLst>
   <p:sldSz cx="12192000" cy="6858000"/>
   <p:notesSz cx="6858000" cy="9144000"/>
@@ -135,126 +136,6 @@
 
 <file path=ppt/changesInfos/changesInfo1.xml><?xml version="1.0" encoding="utf-8"?>
 <pc:chgInfo xmlns:a="http://schemas.openxmlformats.org/drawingml/2006/main" xmlns:r="http://schemas.openxmlformats.org/officeDocument/2006/relationships" xmlns:ac="http://schemas.microsoft.com/office/drawing/2013/main/command" xmlns:pc="http://schemas.microsoft.com/office/powerpoint/2013/main/command">
-  <pc:docChgLst>
-    <pc:chgData name="政佑 林" userId="4ea5c11973562324" providerId="LiveId" clId="{D7883C94-472C-403A-A562-356D6A129A39}"/>
-    <pc:docChg chg="undo custSel modSld">
-      <pc:chgData name="政佑 林" userId="4ea5c11973562324" providerId="LiveId" clId="{D7883C94-472C-403A-A562-356D6A129A39}" dt="2023-06-18T14:18:48.456" v="53" actId="14100"/>
-      <pc:docMkLst>
-        <pc:docMk/>
-      </pc:docMkLst>
-      <pc:sldChg chg="addSp delSp modSp mod">
-        <pc:chgData name="政佑 林" userId="4ea5c11973562324" providerId="LiveId" clId="{D7883C94-472C-403A-A562-356D6A129A39}" dt="2023-06-18T14:18:48.456" v="53" actId="14100"/>
-        <pc:sldMkLst>
-          <pc:docMk/>
-          <pc:sldMk cId="2412294028" sldId="263"/>
-        </pc:sldMkLst>
-        <pc:spChg chg="del">
-          <ac:chgData name="政佑 林" userId="4ea5c11973562324" providerId="LiveId" clId="{D7883C94-472C-403A-A562-356D6A129A39}" dt="2023-06-13T14:42:19.649" v="27" actId="478"/>
-          <ac:spMkLst>
-            <pc:docMk/>
-            <pc:sldMk cId="2412294028" sldId="263"/>
-            <ac:spMk id="9" creationId="{1BD5DDD4-B30F-43B5-9BA0-190CC29E9665}"/>
-          </ac:spMkLst>
-        </pc:spChg>
-        <pc:spChg chg="add del mod">
-          <ac:chgData name="政佑 林" userId="4ea5c11973562324" providerId="LiveId" clId="{D7883C94-472C-403A-A562-356D6A129A39}" dt="2023-06-13T14:42:21.247" v="28" actId="478"/>
-          <ac:spMkLst>
-            <pc:docMk/>
-            <pc:sldMk cId="2412294028" sldId="263"/>
-            <ac:spMk id="14" creationId="{6DF627AF-93BB-43C9-884D-493B736B4446}"/>
-          </ac:spMkLst>
-        </pc:spChg>
-        <pc:graphicFrameChg chg="del">
-          <ac:chgData name="政佑 林" userId="4ea5c11973562324" providerId="LiveId" clId="{D7883C94-472C-403A-A562-356D6A129A39}" dt="2023-06-13T14:19:21.963" v="0" actId="478"/>
-          <ac:graphicFrameMkLst>
-            <pc:docMk/>
-            <pc:sldMk cId="2412294028" sldId="263"/>
-            <ac:graphicFrameMk id="3" creationId="{FDAB6C0F-BA41-461E-B309-975278C7C57E}"/>
-          </ac:graphicFrameMkLst>
-        </pc:graphicFrameChg>
-        <pc:graphicFrameChg chg="add del mod">
-          <ac:chgData name="政佑 林" userId="4ea5c11973562324" providerId="LiveId" clId="{D7883C94-472C-403A-A562-356D6A129A39}" dt="2023-06-13T14:19:29.915" v="2" actId="478"/>
-          <ac:graphicFrameMkLst>
-            <pc:docMk/>
-            <pc:sldMk cId="2412294028" sldId="263"/>
-            <ac:graphicFrameMk id="4" creationId="{007C7EF2-E058-4667-A660-34821DDAB263}"/>
-          </ac:graphicFrameMkLst>
-        </pc:graphicFrameChg>
-        <pc:picChg chg="add del mod">
-          <ac:chgData name="政佑 林" userId="4ea5c11973562324" providerId="LiveId" clId="{D7883C94-472C-403A-A562-356D6A129A39}" dt="2023-06-16T14:10:12.087" v="33" actId="478"/>
-          <ac:picMkLst>
-            <pc:docMk/>
-            <pc:sldMk cId="2412294028" sldId="263"/>
-            <ac:picMk id="4" creationId="{330F8C61-38E0-4368-9637-5DA66E3A52F5}"/>
-          </ac:picMkLst>
-        </pc:picChg>
-        <pc:picChg chg="add del mod">
-          <ac:chgData name="政佑 林" userId="4ea5c11973562324" providerId="LiveId" clId="{D7883C94-472C-403A-A562-356D6A129A39}" dt="2023-06-18T14:18:18.174" v="46" actId="478"/>
-          <ac:picMkLst>
-            <pc:docMk/>
-            <pc:sldMk cId="2412294028" sldId="263"/>
-            <ac:picMk id="4" creationId="{6364F3B0-0651-4072-B36C-45E9B537FB7B}"/>
-          </ac:picMkLst>
-        </pc:picChg>
-        <pc:picChg chg="add del mod">
-          <ac:chgData name="政佑 林" userId="4ea5c11973562324" providerId="LiveId" clId="{D7883C94-472C-403A-A562-356D6A129A39}" dt="2023-06-18T14:10:55.159" v="36" actId="478"/>
-          <ac:picMkLst>
-            <pc:docMk/>
-            <pc:sldMk cId="2412294028" sldId="263"/>
-            <ac:picMk id="6" creationId="{A4EDF87A-E60E-42B1-973A-2E3620B48D9B}"/>
-          </ac:picMkLst>
-        </pc:picChg>
-        <pc:picChg chg="add del mod">
-          <ac:chgData name="政佑 林" userId="4ea5c11973562324" providerId="LiveId" clId="{D7883C94-472C-403A-A562-356D6A129A39}" dt="2023-06-13T14:21:07.452" v="8" actId="478"/>
-          <ac:picMkLst>
-            <pc:docMk/>
-            <pc:sldMk cId="2412294028" sldId="263"/>
-            <ac:picMk id="6" creationId="{FBFDFA29-902E-4389-BD45-871DEE58BD61}"/>
-          </ac:picMkLst>
-        </pc:picChg>
-        <pc:picChg chg="add mod">
-          <ac:chgData name="政佑 林" userId="4ea5c11973562324" providerId="LiveId" clId="{D7883C94-472C-403A-A562-356D6A129A39}" dt="2023-06-18T14:11:51.841" v="45"/>
-          <ac:picMkLst>
-            <pc:docMk/>
-            <pc:sldMk cId="2412294028" sldId="263"/>
-            <ac:picMk id="7" creationId="{524DA044-D347-4E91-83FD-69B125D3CC1E}"/>
-          </ac:picMkLst>
-        </pc:picChg>
-        <pc:picChg chg="add mod">
-          <ac:chgData name="政佑 林" userId="4ea5c11973562324" providerId="LiveId" clId="{D7883C94-472C-403A-A562-356D6A129A39}" dt="2023-06-18T14:18:48.456" v="53" actId="14100"/>
-          <ac:picMkLst>
-            <pc:docMk/>
-            <pc:sldMk cId="2412294028" sldId="263"/>
-            <ac:picMk id="8" creationId="{3D5F458E-4D4C-4D70-B63D-BCF0BD8DD465}"/>
-          </ac:picMkLst>
-        </pc:picChg>
-        <pc:picChg chg="add del mod">
-          <ac:chgData name="政佑 林" userId="4ea5c11973562324" providerId="LiveId" clId="{D7883C94-472C-403A-A562-356D6A129A39}" dt="2023-06-13T14:40:40.009" v="16" actId="478"/>
-          <ac:picMkLst>
-            <pc:docMk/>
-            <pc:sldMk cId="2412294028" sldId="263"/>
-            <ac:picMk id="8" creationId="{7EB13E29-A0CE-4527-B3FB-F58F1E24E511}"/>
-          </ac:picMkLst>
-        </pc:picChg>
-        <pc:picChg chg="del">
-          <ac:chgData name="政佑 林" userId="4ea5c11973562324" providerId="LiveId" clId="{D7883C94-472C-403A-A562-356D6A129A39}" dt="2023-06-13T14:41:15.826" v="24" actId="478"/>
-          <ac:picMkLst>
-            <pc:docMk/>
-            <pc:sldMk cId="2412294028" sldId="263"/>
-            <ac:picMk id="10" creationId="{F76D2371-447B-414B-9273-61F2CA39ACA2}"/>
-          </ac:picMkLst>
-        </pc:picChg>
-        <pc:picChg chg="add del mod">
-          <ac:chgData name="政佑 林" userId="4ea5c11973562324" providerId="LiveId" clId="{D7883C94-472C-403A-A562-356D6A129A39}" dt="2023-06-16T13:50:48.811" v="29" actId="478"/>
-          <ac:picMkLst>
-            <pc:docMk/>
-            <pc:sldMk cId="2412294028" sldId="263"/>
-            <ac:picMk id="12" creationId="{5CAF1342-B646-4344-88C1-1DD0639043BD}"/>
-          </ac:picMkLst>
-        </pc:picChg>
-      </pc:sldChg>
-    </pc:docChg>
-  </pc:docChgLst>
   <pc:docChgLst>
     <pc:chgData name="政佑" userId="4ea5c11973562324" providerId="LiveId" clId="{D7883C94-472C-403A-A562-356D6A129A39}"/>
     <pc:docChg chg="modSld">
@@ -431,6 +312,126 @@
       </pc:sldChg>
     </pc:docChg>
   </pc:docChgLst>
+  <pc:docChgLst>
+    <pc:chgData name="政佑 林" userId="4ea5c11973562324" providerId="LiveId" clId="{D7883C94-472C-403A-A562-356D6A129A39}"/>
+    <pc:docChg chg="undo custSel modSld">
+      <pc:chgData name="政佑 林" userId="4ea5c11973562324" providerId="LiveId" clId="{D7883C94-472C-403A-A562-356D6A129A39}" dt="2023-06-18T14:18:48.456" v="53" actId="14100"/>
+      <pc:docMkLst>
+        <pc:docMk/>
+      </pc:docMkLst>
+      <pc:sldChg chg="addSp delSp modSp mod">
+        <pc:chgData name="政佑 林" userId="4ea5c11973562324" providerId="LiveId" clId="{D7883C94-472C-403A-A562-356D6A129A39}" dt="2023-06-18T14:18:48.456" v="53" actId="14100"/>
+        <pc:sldMkLst>
+          <pc:docMk/>
+          <pc:sldMk cId="2412294028" sldId="263"/>
+        </pc:sldMkLst>
+        <pc:spChg chg="del">
+          <ac:chgData name="政佑 林" userId="4ea5c11973562324" providerId="LiveId" clId="{D7883C94-472C-403A-A562-356D6A129A39}" dt="2023-06-13T14:42:19.649" v="27" actId="478"/>
+          <ac:spMkLst>
+            <pc:docMk/>
+            <pc:sldMk cId="2412294028" sldId="263"/>
+            <ac:spMk id="9" creationId="{1BD5DDD4-B30F-43B5-9BA0-190CC29E9665}"/>
+          </ac:spMkLst>
+        </pc:spChg>
+        <pc:spChg chg="add del mod">
+          <ac:chgData name="政佑 林" userId="4ea5c11973562324" providerId="LiveId" clId="{D7883C94-472C-403A-A562-356D6A129A39}" dt="2023-06-13T14:42:21.247" v="28" actId="478"/>
+          <ac:spMkLst>
+            <pc:docMk/>
+            <pc:sldMk cId="2412294028" sldId="263"/>
+            <ac:spMk id="14" creationId="{6DF627AF-93BB-43C9-884D-493B736B4446}"/>
+          </ac:spMkLst>
+        </pc:spChg>
+        <pc:graphicFrameChg chg="del">
+          <ac:chgData name="政佑 林" userId="4ea5c11973562324" providerId="LiveId" clId="{D7883C94-472C-403A-A562-356D6A129A39}" dt="2023-06-13T14:19:21.963" v="0" actId="478"/>
+          <ac:graphicFrameMkLst>
+            <pc:docMk/>
+            <pc:sldMk cId="2412294028" sldId="263"/>
+            <ac:graphicFrameMk id="3" creationId="{FDAB6C0F-BA41-461E-B309-975278C7C57E}"/>
+          </ac:graphicFrameMkLst>
+        </pc:graphicFrameChg>
+        <pc:graphicFrameChg chg="add del mod">
+          <ac:chgData name="政佑 林" userId="4ea5c11973562324" providerId="LiveId" clId="{D7883C94-472C-403A-A562-356D6A129A39}" dt="2023-06-13T14:19:29.915" v="2" actId="478"/>
+          <ac:graphicFrameMkLst>
+            <pc:docMk/>
+            <pc:sldMk cId="2412294028" sldId="263"/>
+            <ac:graphicFrameMk id="4" creationId="{007C7EF2-E058-4667-A660-34821DDAB263}"/>
+          </ac:graphicFrameMkLst>
+        </pc:graphicFrameChg>
+        <pc:picChg chg="add del mod">
+          <ac:chgData name="政佑 林" userId="4ea5c11973562324" providerId="LiveId" clId="{D7883C94-472C-403A-A562-356D6A129A39}" dt="2023-06-16T14:10:12.087" v="33" actId="478"/>
+          <ac:picMkLst>
+            <pc:docMk/>
+            <pc:sldMk cId="2412294028" sldId="263"/>
+            <ac:picMk id="4" creationId="{330F8C61-38E0-4368-9637-5DA66E3A52F5}"/>
+          </ac:picMkLst>
+        </pc:picChg>
+        <pc:picChg chg="add del mod">
+          <ac:chgData name="政佑 林" userId="4ea5c11973562324" providerId="LiveId" clId="{D7883C94-472C-403A-A562-356D6A129A39}" dt="2023-06-18T14:18:18.174" v="46" actId="478"/>
+          <ac:picMkLst>
+            <pc:docMk/>
+            <pc:sldMk cId="2412294028" sldId="263"/>
+            <ac:picMk id="4" creationId="{6364F3B0-0651-4072-B36C-45E9B537FB7B}"/>
+          </ac:picMkLst>
+        </pc:picChg>
+        <pc:picChg chg="add del mod">
+          <ac:chgData name="政佑 林" userId="4ea5c11973562324" providerId="LiveId" clId="{D7883C94-472C-403A-A562-356D6A129A39}" dt="2023-06-18T14:10:55.159" v="36" actId="478"/>
+          <ac:picMkLst>
+            <pc:docMk/>
+            <pc:sldMk cId="2412294028" sldId="263"/>
+            <ac:picMk id="6" creationId="{A4EDF87A-E60E-42B1-973A-2E3620B48D9B}"/>
+          </ac:picMkLst>
+        </pc:picChg>
+        <pc:picChg chg="add del mod">
+          <ac:chgData name="政佑 林" userId="4ea5c11973562324" providerId="LiveId" clId="{D7883C94-472C-403A-A562-356D6A129A39}" dt="2023-06-13T14:21:07.452" v="8" actId="478"/>
+          <ac:picMkLst>
+            <pc:docMk/>
+            <pc:sldMk cId="2412294028" sldId="263"/>
+            <ac:picMk id="6" creationId="{FBFDFA29-902E-4389-BD45-871DEE58BD61}"/>
+          </ac:picMkLst>
+        </pc:picChg>
+        <pc:picChg chg="add mod">
+          <ac:chgData name="政佑 林" userId="4ea5c11973562324" providerId="LiveId" clId="{D7883C94-472C-403A-A562-356D6A129A39}" dt="2023-06-18T14:11:51.841" v="45"/>
+          <ac:picMkLst>
+            <pc:docMk/>
+            <pc:sldMk cId="2412294028" sldId="263"/>
+            <ac:picMk id="7" creationId="{524DA044-D347-4E91-83FD-69B125D3CC1E}"/>
+          </ac:picMkLst>
+        </pc:picChg>
+        <pc:picChg chg="add mod">
+          <ac:chgData name="政佑 林" userId="4ea5c11973562324" providerId="LiveId" clId="{D7883C94-472C-403A-A562-356D6A129A39}" dt="2023-06-18T14:18:48.456" v="53" actId="14100"/>
+          <ac:picMkLst>
+            <pc:docMk/>
+            <pc:sldMk cId="2412294028" sldId="263"/>
+            <ac:picMk id="8" creationId="{3D5F458E-4D4C-4D70-B63D-BCF0BD8DD465}"/>
+          </ac:picMkLst>
+        </pc:picChg>
+        <pc:picChg chg="add del mod">
+          <ac:chgData name="政佑 林" userId="4ea5c11973562324" providerId="LiveId" clId="{D7883C94-472C-403A-A562-356D6A129A39}" dt="2023-06-13T14:40:40.009" v="16" actId="478"/>
+          <ac:picMkLst>
+            <pc:docMk/>
+            <pc:sldMk cId="2412294028" sldId="263"/>
+            <ac:picMk id="8" creationId="{7EB13E29-A0CE-4527-B3FB-F58F1E24E511}"/>
+          </ac:picMkLst>
+        </pc:picChg>
+        <pc:picChg chg="del">
+          <ac:chgData name="政佑 林" userId="4ea5c11973562324" providerId="LiveId" clId="{D7883C94-472C-403A-A562-356D6A129A39}" dt="2023-06-13T14:41:15.826" v="24" actId="478"/>
+          <ac:picMkLst>
+            <pc:docMk/>
+            <pc:sldMk cId="2412294028" sldId="263"/>
+            <ac:picMk id="10" creationId="{F76D2371-447B-414B-9273-61F2CA39ACA2}"/>
+          </ac:picMkLst>
+        </pc:picChg>
+        <pc:picChg chg="add del mod">
+          <ac:chgData name="政佑 林" userId="4ea5c11973562324" providerId="LiveId" clId="{D7883C94-472C-403A-A562-356D6A129A39}" dt="2023-06-16T13:50:48.811" v="29" actId="478"/>
+          <ac:picMkLst>
+            <pc:docMk/>
+            <pc:sldMk cId="2412294028" sldId="263"/>
+            <ac:picMk id="12" creationId="{5CAF1342-B646-4344-88C1-1DD0639043BD}"/>
+          </ac:picMkLst>
+        </pc:picChg>
+      </pc:sldChg>
+    </pc:docChg>
+  </pc:docChgLst>
 </pc:chgInfo>
 </file>
 
@@ -543,7 +544,7 @@
                 <a:latin typeface="Microsoft JhengHei UI" panose="020B0604030504040204" pitchFamily="34" charset="-120"/>
                 <a:ea typeface="Microsoft JhengHei UI" panose="020B0604030504040204" pitchFamily="34" charset="-120"/>
               </a:rPr>
-              <a:t>2024/1/7</a:t>
+              <a:t>2024/1/8</a:t>
             </a:fld>
             <a:endParaRPr lang="zh-TW" altLang="en-US">
               <a:latin typeface="Microsoft JhengHei UI" panose="020B0604030504040204" pitchFamily="34" charset="-120"/>
@@ -752,7 +753,7 @@
           <a:p>
             <a:fld id="{62C6A08A-89BA-40CD-90F7-8E6CB388923F}" type="datetime1">
               <a:rPr lang="zh-TW" altLang="en-US" noProof="0" smtClean="0"/>
-              <a:t>2024/1/7</a:t>
+              <a:t>2024/1/8</a:t>
             </a:fld>
             <a:endParaRPr lang="zh-TW" altLang="en-US" noProof="0"/>
           </a:p>
@@ -1230,7 +1231,7 @@
             <a:fld id="{BCF3874D-A20A-4B3E-9C12-F524953D5B76}" type="slidenum">
               <a:rPr lang="en-US" altLang="zh-TW" smtClean="0"/>
               <a:pPr/>
-              <a:t>10</a:t>
+              <a:t>11</a:t>
             </a:fld>
             <a:endParaRPr lang="zh-TW" altLang="en-US"/>
           </a:p>
@@ -1285,7 +1286,7 @@
     </p:spTree>
     <p:extLst>
       <p:ext uri="{BB962C8B-B14F-4D97-AF65-F5344CB8AC3E}">
-        <p14:creationId xmlns:p14="http://schemas.microsoft.com/office/powerpoint/2010/main" val="1962610089"/>
+        <p14:creationId xmlns:p14="http://schemas.microsoft.com/office/powerpoint/2010/main" val="3038442928"/>
       </p:ext>
     </p:extLst>
   </p:cSld>
@@ -1361,7 +1362,7 @@
             <a:fld id="{BCF3874D-A20A-4B3E-9C12-F524953D5B76}" type="slidenum">
               <a:rPr lang="en-US" altLang="zh-TW" smtClean="0"/>
               <a:pPr/>
-              <a:t>11</a:t>
+              <a:t>12</a:t>
             </a:fld>
             <a:endParaRPr lang="zh-TW" altLang="en-US"/>
           </a:p>
@@ -1492,7 +1493,7 @@
             <a:fld id="{BCF3874D-A20A-4B3E-9C12-F524953D5B76}" type="slidenum">
               <a:rPr lang="en-US" altLang="zh-TW" smtClean="0"/>
               <a:pPr/>
-              <a:t>12</a:t>
+              <a:t>13</a:t>
             </a:fld>
             <a:endParaRPr lang="zh-TW" altLang="en-US"/>
           </a:p>
@@ -1623,7 +1624,7 @@
             <a:fld id="{BCF3874D-A20A-4B3E-9C12-F524953D5B76}" type="slidenum">
               <a:rPr lang="en-US" altLang="zh-TW" smtClean="0"/>
               <a:pPr/>
-              <a:t>13</a:t>
+              <a:t>14</a:t>
             </a:fld>
             <a:endParaRPr lang="zh-TW" altLang="en-US"/>
           </a:p>
@@ -2726,7 +2727,7 @@
     </p:spTree>
     <p:extLst>
       <p:ext uri="{BB962C8B-B14F-4D97-AF65-F5344CB8AC3E}">
-        <p14:creationId xmlns:p14="http://schemas.microsoft.com/office/powerpoint/2010/main" val="3038442928"/>
+        <p14:creationId xmlns:p14="http://schemas.microsoft.com/office/powerpoint/2010/main" val="1962610089"/>
       </p:ext>
     </p:extLst>
   </p:cSld>
@@ -2892,7 +2893,7 @@
           <a:p>
             <a:fld id="{F33A2D3D-DA21-4023-9265-247838E7EDCA}" type="datetime1">
               <a:rPr lang="zh-TW" altLang="en-US" noProof="0" smtClean="0"/>
-              <a:t>2024/1/7</a:t>
+              <a:t>2024/1/8</a:t>
             </a:fld>
             <a:endParaRPr lang="zh-TW" altLang="en-US" noProof="0"/>
           </a:p>
@@ -3192,7 +3193,7 @@
           <a:p>
             <a:fld id="{2B7822CD-A412-4D56-ADA8-0A81CFAED324}" type="datetime1">
               <a:rPr lang="zh-TW" altLang="en-US" noProof="0" smtClean="0"/>
-              <a:t>2024/1/7</a:t>
+              <a:t>2024/1/8</a:t>
             </a:fld>
             <a:endParaRPr lang="zh-TW" altLang="en-US" noProof="0"/>
           </a:p>
@@ -4217,7 +4218,7 @@
           <a:p>
             <a:fld id="{CC89A704-104C-4D7F-816C-1CDBB9353BEE}" type="datetime1">
               <a:rPr lang="zh-TW" altLang="en-US" noProof="0" smtClean="0"/>
-              <a:t>2024/1/7</a:t>
+              <a:t>2024/1/8</a:t>
             </a:fld>
             <a:endParaRPr lang="zh-TW" altLang="en-US" noProof="0"/>
           </a:p>
@@ -4444,7 +4445,7 @@
           <a:p>
             <a:fld id="{1D7DDB60-1657-4E70-8AE7-7C1A0BAEB93D}" type="datetime1">
               <a:rPr lang="zh-TW" altLang="en-US" noProof="0" smtClean="0"/>
-              <a:t>2024/1/7</a:t>
+              <a:t>2024/1/8</a:t>
             </a:fld>
             <a:endParaRPr lang="zh-TW" altLang="en-US" noProof="0"/>
           </a:p>
@@ -4767,7 +4768,7 @@
             <a:pPr rtl="0"/>
             <a:fld id="{62D9F468-CB46-44EB-A599-230032440410}" type="datetime1">
               <a:rPr lang="zh-TW" altLang="en-US" noProof="0" smtClean="0"/>
-              <a:t>2024/1/7</a:t>
+              <a:t>2024/1/8</a:t>
             </a:fld>
             <a:endParaRPr lang="zh-TW" altLang="en-US" noProof="0"/>
           </a:p>
@@ -5075,7 +5076,7 @@
           <a:p>
             <a:fld id="{9118A418-CD15-4B84-B602-293A595927E9}" type="datetime1">
               <a:rPr lang="zh-TW" altLang="en-US" noProof="0" smtClean="0"/>
-              <a:t>2024/1/7</a:t>
+              <a:t>2024/1/8</a:t>
             </a:fld>
             <a:endParaRPr lang="zh-TW" altLang="en-US" noProof="0"/>
           </a:p>
@@ -5583,7 +5584,7 @@
           <a:p>
             <a:fld id="{AC38F76F-A9C0-4E8E-A670-AB6AB4C0A6E9}" type="datetime1">
               <a:rPr lang="zh-TW" altLang="en-US" noProof="0" smtClean="0"/>
-              <a:t>2024/1/7</a:t>
+              <a:t>2024/1/8</a:t>
             </a:fld>
             <a:endParaRPr lang="zh-TW" altLang="en-US" noProof="0"/>
           </a:p>
@@ -5765,7 +5766,7 @@
           <a:p>
             <a:fld id="{3C199069-4111-45D3-9440-DB235FD5DA22}" type="datetime1">
               <a:rPr lang="zh-TW" altLang="en-US" noProof="0" smtClean="0"/>
-              <a:t>2024/1/7</a:t>
+              <a:t>2024/1/8</a:t>
             </a:fld>
             <a:endParaRPr lang="zh-TW" altLang="en-US" noProof="0"/>
           </a:p>
@@ -5947,7 +5948,7 @@
           <a:p>
             <a:fld id="{4795D4CC-42F1-4EC7-AA3E-DEDE6F1DCE71}" type="datetime1">
               <a:rPr lang="zh-TW" altLang="en-US" noProof="0" smtClean="0"/>
-              <a:t>2024/1/7</a:t>
+              <a:t>2024/1/8</a:t>
             </a:fld>
             <a:endParaRPr lang="zh-TW" altLang="en-US" noProof="0"/>
           </a:p>
@@ -6177,7 +6178,7 @@
           <a:p>
             <a:fld id="{ED2C1A1F-F6FA-4311-80C5-3182D77F6A53}" type="datetime1">
               <a:rPr lang="zh-TW" altLang="en-US" noProof="0" smtClean="0"/>
-              <a:t>2024/1/7</a:t>
+              <a:t>2024/1/8</a:t>
             </a:fld>
             <a:endParaRPr lang="zh-TW" altLang="en-US" noProof="0"/>
           </a:p>
@@ -6441,7 +6442,7 @@
           <a:p>
             <a:fld id="{B796B9CD-5B29-4F0E-96BD-7EA45AE8E6F8}" type="datetime1">
               <a:rPr lang="zh-TW" altLang="en-US" noProof="0" smtClean="0"/>
-              <a:t>2024/1/7</a:t>
+              <a:t>2024/1/8</a:t>
             </a:fld>
             <a:endParaRPr lang="zh-TW" altLang="en-US" noProof="0"/>
           </a:p>
@@ -6815,7 +6816,7 @@
           <a:p>
             <a:fld id="{633242AB-C558-4964-B3DC-580129073A58}" type="datetime1">
               <a:rPr lang="zh-TW" altLang="en-US" noProof="0" smtClean="0"/>
-              <a:t>2024/1/7</a:t>
+              <a:t>2024/1/8</a:t>
             </a:fld>
             <a:endParaRPr lang="zh-TW" altLang="en-US" noProof="0"/>
           </a:p>
@@ -7406,7 +7407,7 @@
         </p:nvSpPr>
         <p:spPr>
           <a:xfrm>
-            <a:off x="1777464" y="3835648"/>
+            <a:off x="1777465" y="3689296"/>
             <a:ext cx="8637072" cy="2292435"/>
           </a:xfrm>
           <a:prstGeom prst="rect">
@@ -7636,7 +7637,7 @@
                 <a:ea typeface="標楷體" panose="03000509000000000000" pitchFamily="65" charset="-120"/>
                 <a:cs typeface="Tahoma" panose="020B0604030504040204" pitchFamily="34" charset="0"/>
               </a:rPr>
-              <a:t>組員</a:t>
+              <a:t>組長</a:t>
             </a:r>
             <a:r>
               <a:rPr lang="en-US" altLang="zh-TW" dirty="0">
@@ -7647,20 +7648,7 @@
                 <a:ea typeface="標楷體" panose="03000509000000000000" pitchFamily="65" charset="-120"/>
                 <a:cs typeface="Tahoma" panose="020B0604030504040204" pitchFamily="34" charset="0"/>
               </a:rPr>
-              <a:t>:</a:t>
-            </a:r>
-          </a:p>
-          <a:p>
-            <a:r>
-              <a:rPr lang="en-US" altLang="zh-TW" dirty="0">
-                <a:solidFill>
-                  <a:srgbClr val="000000"/>
-                </a:solidFill>
-                <a:latin typeface="標楷體" panose="03000509000000000000" pitchFamily="65" charset="-120"/>
-                <a:ea typeface="標楷體" panose="03000509000000000000" pitchFamily="65" charset="-120"/>
-                <a:cs typeface="Tahoma" panose="020B0604030504040204" pitchFamily="34" charset="0"/>
-              </a:rPr>
-              <a:t>	9a917010</a:t>
+              <a:t>: </a:t>
             </a:r>
             <a:r>
               <a:rPr lang="zh-TW" altLang="en-US" dirty="0">
@@ -7671,7 +7659,7 @@
                 <a:ea typeface="標楷體" panose="03000509000000000000" pitchFamily="65" charset="-120"/>
                 <a:cs typeface="Tahoma" panose="020B0604030504040204" pitchFamily="34" charset="0"/>
               </a:rPr>
-              <a:t> 林政佑</a:t>
+              <a:t> </a:t>
             </a:r>
             <a:endParaRPr lang="en-US" altLang="zh-TW" dirty="0">
               <a:solidFill>
@@ -7684,6 +7672,17 @@
           </a:p>
           <a:p>
             <a:r>
+              <a:rPr lang="zh-TW" altLang="en-US" dirty="0">
+                <a:solidFill>
+                  <a:srgbClr val="000000"/>
+                </a:solidFill>
+                <a:latin typeface="標楷體" panose="03000509000000000000" pitchFamily="65" charset="-120"/>
+                <a:ea typeface="標楷體" panose="03000509000000000000" pitchFamily="65" charset="-120"/>
+                <a:cs typeface="Tahoma" panose="020B0604030504040204" pitchFamily="34" charset="0"/>
+              </a:rPr>
+              <a:t>        </a:t>
+            </a:r>
+            <a:r>
               <a:rPr lang="en-US" altLang="zh-TW" dirty="0">
                 <a:solidFill>
                   <a:srgbClr val="000000"/>
@@ -7692,7 +7691,7 @@
                 <a:ea typeface="標楷體" panose="03000509000000000000" pitchFamily="65" charset="-120"/>
                 <a:cs typeface="Tahoma" panose="020B0604030504040204" pitchFamily="34" charset="0"/>
               </a:rPr>
-              <a:t>	9a917042</a:t>
+              <a:t>9a917047 </a:t>
             </a:r>
             <a:r>
               <a:rPr lang="zh-TW" altLang="en-US" dirty="0">
@@ -7703,7 +7702,7 @@
                 <a:ea typeface="標楷體" panose="03000509000000000000" pitchFamily="65" charset="-120"/>
                 <a:cs typeface="Tahoma" panose="020B0604030504040204" pitchFamily="34" charset="0"/>
               </a:rPr>
-              <a:t> 薛文庭</a:t>
+              <a:t>顏子捷</a:t>
             </a:r>
             <a:endParaRPr lang="en-US" altLang="zh-TW" dirty="0">
               <a:solidFill>
@@ -7716,6 +7715,17 @@
           </a:p>
           <a:p>
             <a:r>
+              <a:rPr lang="zh-TW" altLang="en-US" dirty="0">
+                <a:solidFill>
+                  <a:srgbClr val="000000"/>
+                </a:solidFill>
+                <a:latin typeface="標楷體" panose="03000509000000000000" pitchFamily="65" charset="-120"/>
+                <a:ea typeface="標楷體" panose="03000509000000000000" pitchFamily="65" charset="-120"/>
+                <a:cs typeface="Tahoma" panose="020B0604030504040204" pitchFamily="34" charset="0"/>
+              </a:rPr>
+              <a:t>組員</a:t>
+            </a:r>
+            <a:r>
               <a:rPr lang="en-US" altLang="zh-TW" dirty="0">
                 <a:solidFill>
                   <a:srgbClr val="000000"/>
@@ -7724,7 +7734,20 @@
                 <a:ea typeface="標楷體" panose="03000509000000000000" pitchFamily="65" charset="-120"/>
                 <a:cs typeface="Tahoma" panose="020B0604030504040204" pitchFamily="34" charset="0"/>
               </a:rPr>
-              <a:t>	9a917047 </a:t>
+              <a:t>:</a:t>
+            </a:r>
+          </a:p>
+          <a:p>
+            <a:r>
+              <a:rPr lang="en-US" altLang="zh-TW" dirty="0">
+                <a:solidFill>
+                  <a:srgbClr val="000000"/>
+                </a:solidFill>
+                <a:latin typeface="標楷體" panose="03000509000000000000" pitchFamily="65" charset="-120"/>
+                <a:ea typeface="標楷體" panose="03000509000000000000" pitchFamily="65" charset="-120"/>
+                <a:cs typeface="Tahoma" panose="020B0604030504040204" pitchFamily="34" charset="0"/>
+              </a:rPr>
+              <a:t>	9a917010</a:t>
             </a:r>
             <a:r>
               <a:rPr lang="zh-TW" altLang="en-US" dirty="0">
@@ -7735,7 +7758,7 @@
                 <a:ea typeface="標楷體" panose="03000509000000000000" pitchFamily="65" charset="-120"/>
                 <a:cs typeface="Tahoma" panose="020B0604030504040204" pitchFamily="34" charset="0"/>
               </a:rPr>
-              <a:t>顏子捷</a:t>
+              <a:t> 林政佑</a:t>
             </a:r>
             <a:endParaRPr lang="en-US" altLang="zh-TW" dirty="0">
               <a:solidFill>
@@ -7747,6 +7770,28 @@
             </a:endParaRPr>
           </a:p>
           <a:p>
+            <a:r>
+              <a:rPr lang="en-US" altLang="zh-TW" dirty="0">
+                <a:solidFill>
+                  <a:srgbClr val="000000"/>
+                </a:solidFill>
+                <a:latin typeface="標楷體" panose="03000509000000000000" pitchFamily="65" charset="-120"/>
+                <a:ea typeface="標楷體" panose="03000509000000000000" pitchFamily="65" charset="-120"/>
+                <a:cs typeface="Tahoma" panose="020B0604030504040204" pitchFamily="34" charset="0"/>
+              </a:rPr>
+              <a:t>	9a917042</a:t>
+            </a:r>
+            <a:r>
+              <a:rPr lang="zh-TW" altLang="en-US" dirty="0">
+                <a:solidFill>
+                  <a:srgbClr val="000000"/>
+                </a:solidFill>
+                <a:latin typeface="標楷體" panose="03000509000000000000" pitchFamily="65" charset="-120"/>
+                <a:ea typeface="標楷體" panose="03000509000000000000" pitchFamily="65" charset="-120"/>
+                <a:cs typeface="Tahoma" panose="020B0604030504040204" pitchFamily="34" charset="0"/>
+              </a:rPr>
+              <a:t> 薛文庭</a:t>
+            </a:r>
             <a:endParaRPr lang="en-US" altLang="zh-TW" dirty="0">
               <a:solidFill>
                 <a:srgbClr val="000000"/>
@@ -7801,10 +7846,470 @@
       </p:grpSpPr>
       <p:sp>
         <p:nvSpPr>
+          <p:cNvPr id="4" name="標題 3">
+            <a:extLst>
+              <a:ext uri="{FF2B5EF4-FFF2-40B4-BE49-F238E27FC236}">
+                <a16:creationId xmlns:a16="http://schemas.microsoft.com/office/drawing/2014/main" id="{F88E969D-96CA-E2AE-1318-7542F6E1E59D}"/>
+              </a:ext>
+            </a:extLst>
+          </p:cNvPr>
+          <p:cNvSpPr>
+            <a:spLocks noGrp="1"/>
+          </p:cNvSpPr>
+          <p:nvPr>
+            <p:ph type="title"/>
+          </p:nvPr>
+        </p:nvSpPr>
+        <p:spPr>
+          <a:xfrm>
+            <a:off x="1109094" y="795092"/>
+            <a:ext cx="9973811" cy="1049235"/>
+          </a:xfrm>
+        </p:spPr>
+        <p:txBody>
+          <a:bodyPr>
+            <a:noAutofit/>
+          </a:bodyPr>
+          <a:lstStyle/>
+          <a:p>
+            <a:r>
+              <a:rPr lang="zh-TW" altLang="en-US" sz="4800" dirty="0">
+                <a:latin typeface="標楷體" panose="03000509000000000000" pitchFamily="65" charset="-120"/>
+                <a:ea typeface="標楷體" panose="03000509000000000000" pitchFamily="65" charset="-120"/>
+              </a:rPr>
+              <a:t>製作方法</a:t>
+            </a:r>
+            <a:r>
+              <a:rPr lang="en-US" altLang="zh-TW" sz="4800" dirty="0">
+                <a:latin typeface="標楷體" panose="03000509000000000000" pitchFamily="65" charset="-120"/>
+                <a:ea typeface="標楷體" panose="03000509000000000000" pitchFamily="65" charset="-120"/>
+              </a:rPr>
+              <a:t>-</a:t>
+            </a:r>
+            <a:r>
+              <a:rPr lang="zh-TW" altLang="zh-TW" sz="4800" dirty="0">
+                <a:effectLst/>
+                <a:latin typeface="標楷體" panose="03000509000000000000" pitchFamily="65" charset="-120"/>
+                <a:ea typeface="標楷體" panose="03000509000000000000" pitchFamily="65" charset="-120"/>
+                <a:cs typeface="Times New Roman" panose="02020603050405020304" pitchFamily="18" charset="0"/>
+              </a:rPr>
+              <a:t>解決方案中所運用之技巧</a:t>
+            </a:r>
+            <a:r>
+              <a:rPr lang="en-US" altLang="zh-TW" sz="4800" dirty="0">
+                <a:effectLst/>
+                <a:latin typeface="標楷體" panose="03000509000000000000" pitchFamily="65" charset="-120"/>
+                <a:ea typeface="標楷體" panose="03000509000000000000" pitchFamily="65" charset="-120"/>
+                <a:cs typeface="Times New Roman" panose="02020603050405020304" pitchFamily="18" charset="0"/>
+              </a:rPr>
+              <a:t>2</a:t>
+            </a:r>
+            <a:endParaRPr lang="zh-TW" altLang="en-US" sz="4800" dirty="0">
+              <a:latin typeface="標楷體" panose="03000509000000000000" pitchFamily="65" charset="-120"/>
+              <a:ea typeface="標楷體" panose="03000509000000000000" pitchFamily="65" charset="-120"/>
+            </a:endParaRPr>
+          </a:p>
+        </p:txBody>
+      </p:sp>
+      <p:sp>
+        <p:nvSpPr>
+          <p:cNvPr id="7" name="文字方塊 6">
+            <a:extLst>
+              <a:ext uri="{FF2B5EF4-FFF2-40B4-BE49-F238E27FC236}">
+                <a16:creationId xmlns:a16="http://schemas.microsoft.com/office/drawing/2014/main" id="{E14763C9-8224-0AB7-B482-600014F499C7}"/>
+              </a:ext>
+            </a:extLst>
+          </p:cNvPr>
+          <p:cNvSpPr txBox="1"/>
+          <p:nvPr/>
+        </p:nvSpPr>
+        <p:spPr>
+          <a:xfrm>
+            <a:off x="876692" y="1802838"/>
+            <a:ext cx="10793691" cy="4247317"/>
+          </a:xfrm>
+          <a:prstGeom prst="rect">
+            <a:avLst/>
+          </a:prstGeom>
+          <a:noFill/>
+        </p:spPr>
+        <p:txBody>
+          <a:bodyPr wrap="square" rtlCol="0">
+            <a:spAutoFit/>
+          </a:bodyPr>
+          <a:lstStyle/>
+          <a:p>
+            <a:pPr algn="l"/>
+            <a:r>
+              <a:rPr lang="en-US" altLang="zh-TW" sz="2800" i="0" dirty="0">
+                <a:effectLst/>
+                <a:latin typeface="標楷體" panose="03000509000000000000" pitchFamily="65" charset="-120"/>
+                <a:ea typeface="標楷體" panose="03000509000000000000" pitchFamily="65" charset="-120"/>
+              </a:rPr>
+              <a:t>1. </a:t>
+            </a:r>
+            <a:r>
+              <a:rPr lang="zh-TW" altLang="en-US" sz="2800" i="0" dirty="0">
+                <a:effectLst/>
+                <a:latin typeface="標楷體" panose="03000509000000000000" pitchFamily="65" charset="-120"/>
+                <a:ea typeface="標楷體" panose="03000509000000000000" pitchFamily="65" charset="-120"/>
+              </a:rPr>
+              <a:t>什麼是 </a:t>
+            </a:r>
+            <a:r>
+              <a:rPr lang="en-US" altLang="zh-TW" sz="2800" i="0" dirty="0">
+                <a:effectLst/>
+                <a:latin typeface="標楷體" panose="03000509000000000000" pitchFamily="65" charset="-120"/>
+                <a:ea typeface="標楷體" panose="03000509000000000000" pitchFamily="65" charset="-120"/>
+              </a:rPr>
+              <a:t>Flask-</a:t>
+            </a:r>
+            <a:r>
+              <a:rPr lang="en-US" altLang="zh-TW" sz="2800" i="0" dirty="0" err="1">
+                <a:effectLst/>
+                <a:latin typeface="標楷體" panose="03000509000000000000" pitchFamily="65" charset="-120"/>
+                <a:ea typeface="標楷體" panose="03000509000000000000" pitchFamily="65" charset="-120"/>
+              </a:rPr>
+              <a:t>SQLAlchemy</a:t>
+            </a:r>
+            <a:r>
+              <a:rPr lang="en-US" altLang="zh-TW" sz="2800" i="0" dirty="0">
+                <a:effectLst/>
+                <a:latin typeface="標楷體" panose="03000509000000000000" pitchFamily="65" charset="-120"/>
+                <a:ea typeface="標楷體" panose="03000509000000000000" pitchFamily="65" charset="-120"/>
+              </a:rPr>
+              <a:t> </a:t>
+            </a:r>
+            <a:r>
+              <a:rPr lang="zh-TW" altLang="en-US" sz="2800" i="0" dirty="0">
+                <a:effectLst/>
+                <a:latin typeface="標楷體" panose="03000509000000000000" pitchFamily="65" charset="-120"/>
+                <a:ea typeface="標楷體" panose="03000509000000000000" pitchFamily="65" charset="-120"/>
+              </a:rPr>
+              <a:t>？</a:t>
+            </a:r>
+          </a:p>
+          <a:p>
+            <a:pPr algn="l">
+              <a:buFont typeface="Arial" panose="020B0604020202020204" pitchFamily="34" charset="0"/>
+              <a:buChar char="•"/>
+            </a:pPr>
+            <a:r>
+              <a:rPr lang="en-US" altLang="zh-TW" sz="2800" i="0" dirty="0">
+                <a:effectLst/>
+                <a:latin typeface="標楷體" panose="03000509000000000000" pitchFamily="65" charset="-120"/>
+                <a:ea typeface="標楷體" panose="03000509000000000000" pitchFamily="65" charset="-120"/>
+              </a:rPr>
+              <a:t>Flask </a:t>
+            </a:r>
+            <a:r>
+              <a:rPr lang="zh-TW" altLang="en-US" sz="2800" i="0" dirty="0">
+                <a:effectLst/>
+                <a:latin typeface="標楷體" panose="03000509000000000000" pitchFamily="65" charset="-120"/>
+                <a:ea typeface="標楷體" panose="03000509000000000000" pitchFamily="65" charset="-120"/>
+              </a:rPr>
+              <a:t>本身不支援直接對資料庫操作，而 </a:t>
+            </a:r>
+            <a:r>
+              <a:rPr lang="en-US" altLang="zh-TW" sz="2800" i="0" u="none" strike="noStrike" dirty="0">
+                <a:effectLst/>
+                <a:latin typeface="標楷體" panose="03000509000000000000" pitchFamily="65" charset="-120"/>
+                <a:ea typeface="標楷體" panose="03000509000000000000" pitchFamily="65" charset="-120"/>
+              </a:rPr>
+              <a:t>Flask-</a:t>
+            </a:r>
+            <a:r>
+              <a:rPr lang="en-US" altLang="zh-TW" sz="2800" i="0" u="none" strike="noStrike" dirty="0" err="1">
+                <a:effectLst/>
+                <a:latin typeface="標楷體" panose="03000509000000000000" pitchFamily="65" charset="-120"/>
+                <a:ea typeface="標楷體" panose="03000509000000000000" pitchFamily="65" charset="-120"/>
+              </a:rPr>
+              <a:t>SQLAlchemy</a:t>
+            </a:r>
+            <a:r>
+              <a:rPr lang="zh-TW" altLang="en-US" sz="2800" i="0" dirty="0">
+                <a:effectLst/>
+                <a:latin typeface="標楷體" panose="03000509000000000000" pitchFamily="65" charset="-120"/>
+                <a:ea typeface="標楷體" panose="03000509000000000000" pitchFamily="65" charset="-120"/>
+              </a:rPr>
+              <a:t> 是 </a:t>
+            </a:r>
+            <a:r>
+              <a:rPr lang="en-US" altLang="zh-TW" sz="2800" i="0" dirty="0">
+                <a:effectLst/>
+                <a:latin typeface="標楷體" panose="03000509000000000000" pitchFamily="65" charset="-120"/>
+                <a:ea typeface="標楷體" panose="03000509000000000000" pitchFamily="65" charset="-120"/>
+              </a:rPr>
+              <a:t>Flask </a:t>
+            </a:r>
+            <a:r>
+              <a:rPr lang="zh-TW" altLang="en-US" sz="2800" i="0" dirty="0">
+                <a:effectLst/>
+                <a:latin typeface="標楷體" panose="03000509000000000000" pitchFamily="65" charset="-120"/>
+                <a:ea typeface="標楷體" panose="03000509000000000000" pitchFamily="65" charset="-120"/>
+              </a:rPr>
+              <a:t>的擴充套件，是為了簡化 </a:t>
+            </a:r>
+            <a:r>
+              <a:rPr lang="en-US" altLang="zh-TW" sz="2800" i="0" dirty="0">
+                <a:effectLst/>
+                <a:latin typeface="標楷體" panose="03000509000000000000" pitchFamily="65" charset="-120"/>
+                <a:ea typeface="標楷體" panose="03000509000000000000" pitchFamily="65" charset="-120"/>
+              </a:rPr>
+              <a:t>Flask </a:t>
+            </a:r>
+            <a:r>
+              <a:rPr lang="zh-TW" altLang="en-US" sz="2800" i="0" dirty="0">
+                <a:effectLst/>
+                <a:latin typeface="標楷體" panose="03000509000000000000" pitchFamily="65" charset="-120"/>
+                <a:ea typeface="標楷體" panose="03000509000000000000" pitchFamily="65" charset="-120"/>
+              </a:rPr>
+              <a:t>開發人員操作資料庫而出現的套件，它適度的包裝了</a:t>
+            </a:r>
+            <a:r>
+              <a:rPr lang="en-US" altLang="zh-TW" sz="2800" i="0" u="none" strike="noStrike" dirty="0">
+                <a:effectLst/>
+                <a:latin typeface="標楷體" panose="03000509000000000000" pitchFamily="65" charset="-120"/>
+                <a:ea typeface="標楷體" panose="03000509000000000000" pitchFamily="65" charset="-120"/>
+              </a:rPr>
+              <a:t>SQLAlchemy</a:t>
+            </a:r>
+            <a:r>
+              <a:rPr lang="zh-TW" altLang="en-US" sz="2800" i="0" dirty="0">
+                <a:effectLst/>
+                <a:latin typeface="標楷體" panose="03000509000000000000" pitchFamily="65" charset="-120"/>
+                <a:ea typeface="標楷體" panose="03000509000000000000" pitchFamily="65" charset="-120"/>
+              </a:rPr>
+              <a:t>。</a:t>
+            </a:r>
+          </a:p>
+          <a:p>
+            <a:pPr algn="l"/>
+            <a:r>
+              <a:rPr lang="en-US" altLang="zh-TW" sz="2800" i="0" dirty="0">
+                <a:effectLst/>
+                <a:latin typeface="標楷體" panose="03000509000000000000" pitchFamily="65" charset="-120"/>
+                <a:ea typeface="標楷體" panose="03000509000000000000" pitchFamily="65" charset="-120"/>
+              </a:rPr>
+              <a:t>2. </a:t>
+            </a:r>
+            <a:r>
+              <a:rPr lang="zh-TW" altLang="en-US" sz="2800" i="0" dirty="0">
+                <a:effectLst/>
+                <a:latin typeface="標楷體" panose="03000509000000000000" pitchFamily="65" charset="-120"/>
+                <a:ea typeface="標楷體" panose="03000509000000000000" pitchFamily="65" charset="-120"/>
+              </a:rPr>
+              <a:t>為什麼使用 </a:t>
+            </a:r>
+            <a:r>
+              <a:rPr lang="en-US" altLang="zh-TW" sz="2800" i="0" dirty="0">
+                <a:effectLst/>
+                <a:latin typeface="標楷體" panose="03000509000000000000" pitchFamily="65" charset="-120"/>
+                <a:ea typeface="標楷體" panose="03000509000000000000" pitchFamily="65" charset="-120"/>
+              </a:rPr>
+              <a:t>Flask-</a:t>
+            </a:r>
+            <a:r>
+              <a:rPr lang="en-US" altLang="zh-TW" sz="2800" i="0" dirty="0" err="1">
+                <a:effectLst/>
+                <a:latin typeface="標楷體" panose="03000509000000000000" pitchFamily="65" charset="-120"/>
+                <a:ea typeface="標楷體" panose="03000509000000000000" pitchFamily="65" charset="-120"/>
+              </a:rPr>
+              <a:t>SQLAlchemy</a:t>
+            </a:r>
+            <a:r>
+              <a:rPr lang="en-US" altLang="zh-TW" sz="2800" i="0" dirty="0">
+                <a:effectLst/>
+                <a:latin typeface="標楷體" panose="03000509000000000000" pitchFamily="65" charset="-120"/>
+                <a:ea typeface="標楷體" panose="03000509000000000000" pitchFamily="65" charset="-120"/>
+              </a:rPr>
+              <a:t> </a:t>
+            </a:r>
+            <a:r>
+              <a:rPr lang="zh-TW" altLang="en-US" sz="2800" i="0" dirty="0">
+                <a:effectLst/>
+                <a:latin typeface="標楷體" panose="03000509000000000000" pitchFamily="65" charset="-120"/>
+                <a:ea typeface="標楷體" panose="03000509000000000000" pitchFamily="65" charset="-120"/>
+              </a:rPr>
+              <a:t>？</a:t>
+            </a:r>
+          </a:p>
+          <a:p>
+            <a:pPr algn="l">
+              <a:buFont typeface="Arial" panose="020B0604020202020204" pitchFamily="34" charset="0"/>
+              <a:buChar char="•"/>
+            </a:pPr>
+            <a:r>
+              <a:rPr lang="zh-TW" altLang="en-US" sz="2800" i="0" dirty="0">
+                <a:effectLst/>
+                <a:latin typeface="標楷體" panose="03000509000000000000" pitchFamily="65" charset="-120"/>
+                <a:ea typeface="標楷體" panose="03000509000000000000" pitchFamily="65" charset="-120"/>
+              </a:rPr>
+              <a:t>可支援市面上常用的資料庫 </a:t>
+            </a:r>
+            <a:r>
+              <a:rPr lang="en-US" altLang="zh-TW" sz="2800" i="0" dirty="0" err="1">
+                <a:effectLst/>
+                <a:latin typeface="標楷體" panose="03000509000000000000" pitchFamily="65" charset="-120"/>
+                <a:ea typeface="標楷體" panose="03000509000000000000" pitchFamily="65" charset="-120"/>
+              </a:rPr>
+              <a:t>sqlite</a:t>
+            </a:r>
+            <a:r>
+              <a:rPr lang="zh-TW" altLang="en-US" sz="2800" i="0" dirty="0">
+                <a:effectLst/>
+                <a:latin typeface="標楷體" panose="03000509000000000000" pitchFamily="65" charset="-120"/>
+                <a:ea typeface="標楷體" panose="03000509000000000000" pitchFamily="65" charset="-120"/>
+              </a:rPr>
+              <a:t>、</a:t>
+            </a:r>
+            <a:r>
+              <a:rPr lang="en-US" altLang="zh-TW" sz="2800" i="0" dirty="0" err="1">
+                <a:effectLst/>
+                <a:latin typeface="標楷體" panose="03000509000000000000" pitchFamily="65" charset="-120"/>
+                <a:ea typeface="標楷體" panose="03000509000000000000" pitchFamily="65" charset="-120"/>
+              </a:rPr>
+              <a:t>Mysql</a:t>
+            </a:r>
+            <a:r>
+              <a:rPr lang="zh-TW" altLang="en-US" sz="2800" i="0" dirty="0">
+                <a:effectLst/>
+                <a:latin typeface="標楷體" panose="03000509000000000000" pitchFamily="65" charset="-120"/>
+                <a:ea typeface="標楷體" panose="03000509000000000000" pitchFamily="65" charset="-120"/>
+              </a:rPr>
+              <a:t>、</a:t>
+            </a:r>
+            <a:r>
+              <a:rPr lang="en-US" altLang="zh-TW" sz="2800" i="0" dirty="0">
+                <a:effectLst/>
+                <a:latin typeface="標楷體" panose="03000509000000000000" pitchFamily="65" charset="-120"/>
+                <a:ea typeface="標楷體" panose="03000509000000000000" pitchFamily="65" charset="-120"/>
+              </a:rPr>
+              <a:t>PostgreSQL</a:t>
+            </a:r>
+            <a:r>
+              <a:rPr lang="zh-TW" altLang="en-US" sz="2800" i="0" dirty="0">
+                <a:effectLst/>
+                <a:latin typeface="標楷體" panose="03000509000000000000" pitchFamily="65" charset="-120"/>
+                <a:ea typeface="標楷體" panose="03000509000000000000" pitchFamily="65" charset="-120"/>
+              </a:rPr>
+              <a:t>、</a:t>
+            </a:r>
+            <a:r>
+              <a:rPr lang="en-US" altLang="zh-TW" sz="2800" i="0" dirty="0" err="1">
+                <a:effectLst/>
+                <a:latin typeface="標楷體" panose="03000509000000000000" pitchFamily="65" charset="-120"/>
+                <a:ea typeface="標楷體" panose="03000509000000000000" pitchFamily="65" charset="-120"/>
+              </a:rPr>
+              <a:t>MSSql</a:t>
+            </a:r>
+            <a:r>
+              <a:rPr lang="zh-TW" altLang="en-US" sz="2800" i="0" dirty="0">
+                <a:effectLst/>
+                <a:latin typeface="標楷體" panose="03000509000000000000" pitchFamily="65" charset="-120"/>
+                <a:ea typeface="標楷體" panose="03000509000000000000" pitchFamily="65" charset="-120"/>
+              </a:rPr>
+              <a:t>、</a:t>
+            </a:r>
+            <a:r>
+              <a:rPr lang="en-US" altLang="zh-TW" sz="2800" i="0" dirty="0">
+                <a:effectLst/>
+                <a:latin typeface="標楷體" panose="03000509000000000000" pitchFamily="65" charset="-120"/>
+                <a:ea typeface="標楷體" panose="03000509000000000000" pitchFamily="65" charset="-120"/>
+              </a:rPr>
+              <a:t>Oracle</a:t>
+            </a:r>
+          </a:p>
+          <a:p>
+            <a:pPr algn="l">
+              <a:buFont typeface="Arial" panose="020B0604020202020204" pitchFamily="34" charset="0"/>
+              <a:buChar char="•"/>
+            </a:pPr>
+            <a:r>
+              <a:rPr lang="zh-TW" altLang="en-US" sz="2800" i="0" dirty="0">
+                <a:effectLst/>
+                <a:latin typeface="標楷體" panose="03000509000000000000" pitchFamily="65" charset="-120"/>
+                <a:ea typeface="標楷體" panose="03000509000000000000" pitchFamily="65" charset="-120"/>
+              </a:rPr>
+              <a:t>可以使用原生 </a:t>
+            </a:r>
+            <a:r>
+              <a:rPr lang="en-US" altLang="zh-TW" sz="2800" i="0" dirty="0">
+                <a:effectLst/>
+                <a:latin typeface="標楷體" panose="03000509000000000000" pitchFamily="65" charset="-120"/>
+                <a:ea typeface="標楷體" panose="03000509000000000000" pitchFamily="65" charset="-120"/>
+              </a:rPr>
+              <a:t>SQL</a:t>
+            </a:r>
+            <a:r>
+              <a:rPr lang="zh-TW" altLang="en-US" sz="2800" i="0" dirty="0">
+                <a:effectLst/>
+                <a:latin typeface="標楷體" panose="03000509000000000000" pitchFamily="65" charset="-120"/>
+                <a:ea typeface="標楷體" panose="03000509000000000000" pitchFamily="65" charset="-120"/>
+              </a:rPr>
+              <a:t>下指令，也同時支援 </a:t>
+            </a:r>
+            <a:r>
+              <a:rPr lang="en-US" altLang="zh-TW" sz="2800" i="0" dirty="0">
+                <a:effectLst/>
+                <a:latin typeface="標楷體" panose="03000509000000000000" pitchFamily="65" charset="-120"/>
+                <a:ea typeface="標楷體" panose="03000509000000000000" pitchFamily="65" charset="-120"/>
+              </a:rPr>
+              <a:t>ORM </a:t>
+            </a:r>
+            <a:r>
+              <a:rPr lang="zh-TW" altLang="en-US" sz="2800" i="0" dirty="0">
+                <a:effectLst/>
+                <a:latin typeface="標楷體" panose="03000509000000000000" pitchFamily="65" charset="-120"/>
+                <a:ea typeface="標楷體" panose="03000509000000000000" pitchFamily="65" charset="-120"/>
+              </a:rPr>
+              <a:t>框架來操作資料庫，可以隨時切換很方便。</a:t>
+            </a:r>
+          </a:p>
+          <a:p>
+            <a:endParaRPr lang="zh-TW" altLang="en-US" dirty="0">
+              <a:latin typeface="標楷體" panose="03000509000000000000" pitchFamily="65" charset="-120"/>
+              <a:ea typeface="標楷體" panose="03000509000000000000" pitchFamily="65" charset="-120"/>
+            </a:endParaRPr>
+          </a:p>
+        </p:txBody>
+      </p:sp>
+    </p:spTree>
+    <p:extLst>
+      <p:ext uri="{BB962C8B-B14F-4D97-AF65-F5344CB8AC3E}">
+        <p14:creationId xmlns:p14="http://schemas.microsoft.com/office/powerpoint/2010/main" val="1997292574"/>
+      </p:ext>
+    </p:extLst>
+  </p:cSld>
+  <p:clrMapOvr>
+    <a:masterClrMapping/>
+  </p:clrMapOvr>
+</p:sld>
+</file>
+
+<file path=ppt/slides/slide11.xml><?xml version="1.0" encoding="utf-8"?>
+<p:sld xmlns:a="http://schemas.openxmlformats.org/drawingml/2006/main" xmlns:r="http://schemas.openxmlformats.org/officeDocument/2006/relationships" xmlns:p="http://schemas.openxmlformats.org/presentationml/2006/main">
+  <p:cSld>
+    <p:spTree>
+      <p:nvGrpSpPr>
+        <p:cNvPr id="1" name=""/>
+        <p:cNvGrpSpPr/>
+        <p:nvPr/>
+      </p:nvGrpSpPr>
+      <p:grpSpPr>
+        <a:xfrm>
+          <a:off x="0" y="0"/>
+          <a:ext cx="0" cy="0"/>
+          <a:chOff x="0" y="0"/>
+          <a:chExt cx="0" cy="0"/>
+        </a:xfrm>
+      </p:grpSpPr>
+      <p:sp>
+        <p:nvSpPr>
           <p:cNvPr id="2" name="標題 1">
             <a:extLst>
               <a:ext uri="{FF2B5EF4-FFF2-40B4-BE49-F238E27FC236}">
-                <a16:creationId xmlns:a16="http://schemas.microsoft.com/office/drawing/2014/main" id="{5A29E978-9605-417C-951F-53F4926CFF1A}"/>
+                <a16:creationId xmlns:a16="http://schemas.microsoft.com/office/drawing/2014/main" id="{4DFF222A-0050-42E6-8C3E-86E3C365C411}"/>
               </a:ext>
             </a:extLst>
           </p:cNvPr>
@@ -7815,12 +8320,7 @@
             <p:ph type="title"/>
           </p:nvPr>
         </p:nvSpPr>
-        <p:spPr>
-          <a:xfrm>
-            <a:off x="1290909" y="798974"/>
-            <a:ext cx="9610182" cy="601226"/>
-          </a:xfrm>
-        </p:spPr>
+        <p:spPr/>
         <p:txBody>
           <a:bodyPr rtlCol="0">
             <a:noAutofit/>
@@ -7829,40 +8329,55 @@
           <a:p>
             <a:pPr rtl="0"/>
             <a:r>
-              <a:rPr lang="zh-TW" altLang="en-US" sz="4800" dirty="0">
-                <a:latin typeface="微軟正黑體" panose="020B0604030504040204" pitchFamily="34" charset="-120"/>
-                <a:ea typeface="微軟正黑體" panose="020B0604030504040204" pitchFamily="34" charset="-120"/>
-              </a:rPr>
-              <a:t>製作方法</a:t>
-            </a:r>
-            <a:r>
               <a:rPr lang="en-US" altLang="zh-TW" sz="4800" dirty="0">
-                <a:latin typeface="微軟正黑體" panose="020B0604030504040204" pitchFamily="34" charset="-120"/>
-                <a:ea typeface="微軟正黑體" panose="020B0604030504040204" pitchFamily="34" charset="-120"/>
-              </a:rPr>
-              <a:t>-</a:t>
-            </a:r>
-            <a:r>
-              <a:rPr lang="zh-TW" altLang="zh-TW" sz="4800" dirty="0">
-                <a:effectLst/>
-                <a:ea typeface="微軟正黑體" panose="020B0604030504040204" pitchFamily="34" charset="-120"/>
-                <a:cs typeface="Times New Roman" panose="02020603050405020304" pitchFamily="18" charset="0"/>
-              </a:rPr>
-              <a:t>解決方案中所運用之技巧</a:t>
+                <a:latin typeface="標楷體" panose="03000509000000000000" pitchFamily="65" charset="-120"/>
+                <a:ea typeface="標楷體" panose="03000509000000000000" pitchFamily="65" charset="-120"/>
+              </a:rPr>
+              <a:t>DEMO</a:t>
             </a:r>
             <a:endParaRPr lang="zh-TW" altLang="en-US" sz="4800" dirty="0">
-              <a:latin typeface="微軟正黑體" panose="020B0604030504040204" pitchFamily="34" charset="-120"/>
-              <a:ea typeface="微軟正黑體" panose="020B0604030504040204" pitchFamily="34" charset="-120"/>
+              <a:latin typeface="標楷體" panose="03000509000000000000" pitchFamily="65" charset="-120"/>
+              <a:ea typeface="標楷體" panose="03000509000000000000" pitchFamily="65" charset="-120"/>
             </a:endParaRPr>
+          </a:p>
+        </p:txBody>
+      </p:sp>
+      <p:sp>
+        <p:nvSpPr>
+          <p:cNvPr id="9" name="文字版面配置區 8">
+            <a:extLst>
+              <a:ext uri="{FF2B5EF4-FFF2-40B4-BE49-F238E27FC236}">
+                <a16:creationId xmlns:a16="http://schemas.microsoft.com/office/drawing/2014/main" id="{1BD5DDD4-B30F-43B5-9BA0-190CC29E9665}"/>
+              </a:ext>
+            </a:extLst>
+          </p:cNvPr>
+          <p:cNvSpPr>
+            <a:spLocks noGrp="1"/>
+          </p:cNvSpPr>
+          <p:nvPr>
+            <p:ph type="body" sz="quarter" idx="12"/>
+          </p:nvPr>
+        </p:nvSpPr>
+        <p:spPr/>
+        <p:txBody>
+          <a:bodyPr rtlCol="0"/>
+          <a:lstStyle/>
+          <a:p>
+            <a:pPr lvl="2" rtl="0"/>
+            <a:endParaRPr lang="zh-TW" altLang="en-US" dirty="0"/>
+          </a:p>
+          <a:p>
+            <a:pPr rtl="0"/>
+            <a:endParaRPr lang="zh-TW" altLang="en-US" dirty="0"/>
           </a:p>
         </p:txBody>
       </p:sp>
       <p:pic>
         <p:nvPicPr>
-          <p:cNvPr id="7" name="圖形 6" descr="齒輪圖示">
+          <p:cNvPr id="10" name="圖形 9" descr="星形圖示">
             <a:extLst>
               <a:ext uri="{FF2B5EF4-FFF2-40B4-BE49-F238E27FC236}">
-                <a16:creationId xmlns:a16="http://schemas.microsoft.com/office/drawing/2014/main" id="{DA9595F8-50AF-4C85-9BC5-B52646E113FB}"/>
+                <a16:creationId xmlns:a16="http://schemas.microsoft.com/office/drawing/2014/main" id="{F76D2371-447B-414B-9273-61F2CA39ACA2}"/>
               </a:ext>
             </a:extLst>
           </p:cNvPr>
@@ -7885,8 +8400,8 @@
         </p:blipFill>
         <p:spPr>
           <a:xfrm>
-            <a:off x="10751093" y="277750"/>
-            <a:ext cx="1122450" cy="1122450"/>
+            <a:off x="9897703" y="280289"/>
+            <a:ext cx="1044000" cy="1044000"/>
           </a:xfrm>
           <a:prstGeom prst="rect">
             <a:avLst/>
@@ -7895,111 +8410,40 @@
       </p:pic>
       <p:sp>
         <p:nvSpPr>
-          <p:cNvPr id="4" name="文字版面配置區 3">
+          <p:cNvPr id="3" name="文字方塊 2">
             <a:extLst>
               <a:ext uri="{FF2B5EF4-FFF2-40B4-BE49-F238E27FC236}">
-                <a16:creationId xmlns:a16="http://schemas.microsoft.com/office/drawing/2014/main" id="{4986B87E-83DC-455A-94FE-389658903147}"/>
+                <a16:creationId xmlns:a16="http://schemas.microsoft.com/office/drawing/2014/main" id="{CCB831FC-65D0-C0EC-A018-9E02AE2FCD7F}"/>
               </a:ext>
             </a:extLst>
           </p:cNvPr>
-          <p:cNvSpPr>
-            <a:spLocks noGrp="1"/>
-          </p:cNvSpPr>
-          <p:nvPr>
-            <p:ph type="body" sz="half" idx="2"/>
-          </p:nvPr>
+          <p:cNvSpPr txBox="1"/>
+          <p:nvPr/>
         </p:nvSpPr>
         <p:spPr>
           <a:xfrm>
-            <a:off x="894261" y="1556084"/>
-            <a:ext cx="10006829" cy="4636169"/>
+            <a:off x="2622431" y="2921168"/>
+            <a:ext cx="5874588" cy="1015663"/>
           </a:xfrm>
+          <a:prstGeom prst="rect">
+            <a:avLst/>
+          </a:prstGeom>
+          <a:noFill/>
         </p:spPr>
         <p:txBody>
-          <a:bodyPr rtlCol="0">
-            <a:normAutofit/>
+          <a:bodyPr wrap="square" rtlCol="0">
+            <a:spAutoFit/>
           </a:bodyPr>
           <a:lstStyle/>
           <a:p>
-            <a:pPr marL="342900" lvl="0" indent="-342900">
-              <a:buFont typeface="Arial" panose="020B0604020202020204" pitchFamily="34" charset="0"/>
-              <a:buChar char="•"/>
-            </a:pPr>
-            <a:r>
-              <a:rPr lang="zh-TW" altLang="zh-TW" sz="3600" kern="100" dirty="0">
-                <a:effectLst/>
-                <a:latin typeface="Calibri" panose="020F0502020204030204" pitchFamily="34" charset="0"/>
-                <a:ea typeface="微軟正黑體" panose="020B0604030504040204" pitchFamily="34" charset="-120"/>
-                <a:cs typeface="Times New Roman" panose="02020603050405020304" pitchFamily="18" charset="0"/>
-              </a:rPr>
-              <a:t>使用</a:t>
-            </a:r>
-            <a:r>
-              <a:rPr lang="en-US" altLang="zh-TW" sz="3600" kern="100" dirty="0">
-                <a:effectLst/>
-                <a:latin typeface="Calibri" panose="020F0502020204030204" pitchFamily="34" charset="0"/>
-                <a:ea typeface="微軟正黑體" panose="020B0604030504040204" pitchFamily="34" charset="-120"/>
-                <a:cs typeface="Times New Roman" panose="02020603050405020304" pitchFamily="18" charset="0"/>
-              </a:rPr>
-              <a:t> Flask</a:t>
-            </a:r>
-            <a:r>
-              <a:rPr lang="zh-TW" altLang="zh-TW" sz="3600" kern="100" dirty="0">
-                <a:effectLst/>
-                <a:latin typeface="Calibri" panose="020F0502020204030204" pitchFamily="34" charset="0"/>
-                <a:ea typeface="微軟正黑體" panose="020B0604030504040204" pitchFamily="34" charset="-120"/>
-                <a:cs typeface="Times New Roman" panose="02020603050405020304" pitchFamily="18" charset="0"/>
-              </a:rPr>
-              <a:t>框架快速搭建網頁應用，簡化開發流程。</a:t>
-            </a:r>
-            <a:endParaRPr lang="zh-TW" altLang="zh-TW" sz="3600" kern="100" dirty="0">
-              <a:effectLst/>
-              <a:latin typeface="Calibri" panose="020F0502020204030204" pitchFamily="34" charset="0"/>
-              <a:ea typeface="新細明體" panose="02020500000000000000" pitchFamily="18" charset="-120"/>
-              <a:cs typeface="Times New Roman" panose="02020603050405020304" pitchFamily="18" charset="0"/>
-            </a:endParaRPr>
-          </a:p>
-          <a:p>
-            <a:pPr marL="342900" lvl="0" indent="-342900">
-              <a:buFont typeface="Arial" panose="020B0604020202020204" pitchFamily="34" charset="0"/>
-              <a:buChar char="•"/>
-            </a:pPr>
-            <a:r>
-              <a:rPr lang="zh-TW" altLang="zh-TW" sz="3600" kern="100" dirty="0">
-                <a:effectLst/>
-                <a:latin typeface="Calibri" panose="020F0502020204030204" pitchFamily="34" charset="0"/>
-                <a:ea typeface="微軟正黑體" panose="020B0604030504040204" pitchFamily="34" charset="-120"/>
-                <a:cs typeface="Times New Roman" panose="02020603050405020304" pitchFamily="18" charset="0"/>
-              </a:rPr>
-              <a:t>利用資料庫實現訂單資訊的永久儲存和查詢。</a:t>
-            </a:r>
-            <a:endParaRPr lang="zh-TW" altLang="zh-TW" sz="3600" kern="100" dirty="0">
-              <a:effectLst/>
-              <a:latin typeface="Calibri" panose="020F0502020204030204" pitchFamily="34" charset="0"/>
-              <a:ea typeface="新細明體" panose="02020500000000000000" pitchFamily="18" charset="-120"/>
-              <a:cs typeface="Times New Roman" panose="02020603050405020304" pitchFamily="18" charset="0"/>
-            </a:endParaRPr>
-          </a:p>
-          <a:p>
-            <a:pPr marL="342900" lvl="0" indent="-342900">
-              <a:buFont typeface="Arial" panose="020B0604020202020204" pitchFamily="34" charset="0"/>
-              <a:buChar char="•"/>
-            </a:pPr>
-            <a:r>
-              <a:rPr lang="zh-TW" altLang="zh-TW" sz="3600" kern="100" dirty="0">
-                <a:effectLst/>
-                <a:latin typeface="Calibri" panose="020F0502020204030204" pitchFamily="34" charset="0"/>
-                <a:ea typeface="微軟正黑體" panose="020B0604030504040204" pitchFamily="34" charset="-120"/>
-                <a:cs typeface="Times New Roman" panose="02020603050405020304" pitchFamily="18" charset="0"/>
-              </a:rPr>
-              <a:t>使用模板美化前端顯示，提供更好的用戶體驗。</a:t>
-            </a:r>
-            <a:endParaRPr lang="zh-TW" altLang="zh-TW" sz="3600" kern="100" dirty="0">
-              <a:effectLst/>
-              <a:latin typeface="Calibri" panose="020F0502020204030204" pitchFamily="34" charset="0"/>
-              <a:ea typeface="新細明體" panose="02020500000000000000" pitchFamily="18" charset="-120"/>
-              <a:cs typeface="Times New Roman" panose="02020603050405020304" pitchFamily="18" charset="0"/>
-            </a:endParaRPr>
+            <a:pPr algn="ctr"/>
+            <a:r>
+              <a:rPr lang="zh-TW" altLang="en-US" sz="6000" dirty="0">
+                <a:latin typeface="標楷體" panose="03000509000000000000" pitchFamily="65" charset="-120"/>
+                <a:ea typeface="標楷體" panose="03000509000000000000" pitchFamily="65" charset="-120"/>
+              </a:rPr>
+              <a:t>現場示範</a:t>
+            </a:r>
           </a:p>
         </p:txBody>
       </p:sp>
@@ -8020,7 +8464,7 @@
           <a:p>
             <a:r>
               <a:rPr lang="en-US" altLang="zh-TW" noProof="0" dirty="0"/>
-              <a:t>5</a:t>
+              <a:t>10</a:t>
             </a:r>
             <a:endParaRPr lang="zh-TW" altLang="en-US" noProof="0" dirty="0"/>
           </a:p>
@@ -8029,7 +8473,7 @@
     </p:spTree>
     <p:extLst>
       <p:ext uri="{BB962C8B-B14F-4D97-AF65-F5344CB8AC3E}">
-        <p14:creationId xmlns:p14="http://schemas.microsoft.com/office/powerpoint/2010/main" val="1941188754"/>
+        <p14:creationId xmlns:p14="http://schemas.microsoft.com/office/powerpoint/2010/main" val="1743385005"/>
       </p:ext>
     </p:extLst>
   </p:cSld>
@@ -8039,7 +8483,7 @@
 </p:sld>
 </file>
 
-<file path=ppt/slides/slide11.xml><?xml version="1.0" encoding="utf-8"?>
+<file path=ppt/slides/slide12.xml><?xml version="1.0" encoding="utf-8"?>
 <p:sld xmlns:a="http://schemas.openxmlformats.org/drawingml/2006/main" xmlns:r="http://schemas.openxmlformats.org/officeDocument/2006/relationships" xmlns:p="http://schemas.openxmlformats.org/presentationml/2006/main">
   <p:cSld>
     <p:spTree>
@@ -8393,31 +8837,31 @@
             </a:pPr>
             <a:r>
               <a:rPr lang="zh-TW" altLang="en-US" sz="2400" kern="100" dirty="0">
-                <a:latin typeface="Calibri" panose="020F0502020204030204" pitchFamily="34" charset="0"/>
-                <a:ea typeface="微軟正黑體" panose="020B0604030504040204" pitchFamily="34" charset="-120"/>
+                <a:latin typeface="標楷體" panose="03000509000000000000" pitchFamily="65" charset="-120"/>
+                <a:ea typeface="標楷體" panose="03000509000000000000" pitchFamily="65" charset="-120"/>
                 <a:cs typeface="Times New Roman" panose="02020603050405020304" pitchFamily="18" charset="0"/>
               </a:rPr>
-              <a:t>這次期末作業深入了解了網頁開發，團隊克服了技術難題，學到了實用技能。每個階段都提升了</a:t>
+              <a:t>這次期末作業深入了解了網頁開發，克服了一些技術難題，學到了實用技能。每個階段都提升了</a:t>
             </a:r>
             <a:r>
               <a:rPr lang="en-US" altLang="zh-TW" sz="2400" kern="100" dirty="0">
-                <a:latin typeface="Calibri" panose="020F0502020204030204" pitchFamily="34" charset="0"/>
-                <a:ea typeface="微軟正黑體" panose="020B0604030504040204" pitchFamily="34" charset="-120"/>
+                <a:latin typeface="標楷體" panose="03000509000000000000" pitchFamily="65" charset="-120"/>
+                <a:ea typeface="標楷體" panose="03000509000000000000" pitchFamily="65" charset="-120"/>
                 <a:cs typeface="Times New Roman" panose="02020603050405020304" pitchFamily="18" charset="0"/>
               </a:rPr>
               <a:t>Python</a:t>
             </a:r>
             <a:r>
               <a:rPr lang="zh-TW" altLang="en-US" sz="2400" kern="100" dirty="0">
-                <a:latin typeface="Calibri" panose="020F0502020204030204" pitchFamily="34" charset="0"/>
-                <a:ea typeface="微軟正黑體" panose="020B0604030504040204" pitchFamily="34" charset="-120"/>
+                <a:latin typeface="標楷體" panose="03000509000000000000" pitchFamily="65" charset="-120"/>
+                <a:ea typeface="標楷體" panose="03000509000000000000" pitchFamily="65" charset="-120"/>
                 <a:cs typeface="Times New Roman" panose="02020603050405020304" pitchFamily="18" charset="0"/>
               </a:rPr>
               <a:t>及相關技術運用，加強了團隊合作和問題解決能力。強調注重用戶體驗，學到製作直觀網頁介面。通過團隊合作更理解在分工合作中的重要性，充分發揮每個人的長處。總體而言，是極具收穫的學習體驗，提升了技術知識和解決問題的能力，對軟體開發有更深認識。</a:t>
             </a:r>
             <a:endParaRPr lang="en-US" altLang="zh-TW" sz="2400" kern="100" dirty="0">
-              <a:latin typeface="Calibri" panose="020F0502020204030204" pitchFamily="34" charset="0"/>
-              <a:ea typeface="微軟正黑體" panose="020B0604030504040204" pitchFamily="34" charset="-120"/>
+              <a:latin typeface="標楷體" panose="03000509000000000000" pitchFamily="65" charset="-120"/>
+              <a:ea typeface="標楷體" panose="03000509000000000000" pitchFamily="65" charset="-120"/>
               <a:cs typeface="Times New Roman" panose="02020603050405020304" pitchFamily="18" charset="0"/>
             </a:endParaRPr>
           </a:p>
@@ -8429,15 +8873,15 @@
             </a:pPr>
             <a:r>
               <a:rPr lang="zh-TW" altLang="en-US" sz="2400" kern="100" dirty="0">
-                <a:latin typeface="Calibri" panose="020F0502020204030204" pitchFamily="34" charset="0"/>
-                <a:ea typeface="新細明體" panose="02020500000000000000" pitchFamily="18" charset="-120"/>
+                <a:latin typeface="標楷體" panose="03000509000000000000" pitchFamily="65" charset="-120"/>
+                <a:ea typeface="標楷體" panose="03000509000000000000" pitchFamily="65" charset="-120"/>
                 <a:cs typeface="Times New Roman" panose="02020603050405020304" pitchFamily="18" charset="0"/>
               </a:rPr>
               <a:t>希望未來能夠將網頁做得更精緻且更直覺；增加更多實用功能以利消費者和商家去做使用。</a:t>
             </a:r>
             <a:endParaRPr lang="en-US" altLang="zh-TW" sz="2400" kern="100" dirty="0">
-              <a:latin typeface="Calibri" panose="020F0502020204030204" pitchFamily="34" charset="0"/>
-              <a:ea typeface="新細明體" panose="02020500000000000000" pitchFamily="18" charset="-120"/>
+              <a:latin typeface="標楷體" panose="03000509000000000000" pitchFamily="65" charset="-120"/>
+              <a:ea typeface="標楷體" panose="03000509000000000000" pitchFamily="65" charset="-120"/>
               <a:cs typeface="Times New Roman" panose="02020603050405020304" pitchFamily="18" charset="0"/>
             </a:endParaRPr>
           </a:p>
@@ -8456,7 +8900,7 @@
 </p:sld>
 </file>
 
-<file path=ppt/slides/slide12.xml><?xml version="1.0" encoding="utf-8"?>
+<file path=ppt/slides/slide13.xml><?xml version="1.0" encoding="utf-8"?>
 <p:sld xmlns:a="http://schemas.openxmlformats.org/drawingml/2006/main" xmlns:r="http://schemas.openxmlformats.org/officeDocument/2006/relationships" xmlns:p="http://schemas.openxmlformats.org/presentationml/2006/main">
   <p:cSld>
     <p:spTree>
@@ -8525,8 +8969,8 @@
         </p:nvSpPr>
         <p:spPr>
           <a:xfrm>
-            <a:off x="1294361" y="1668672"/>
-            <a:ext cx="9603275" cy="1760328"/>
+            <a:off x="1294362" y="2336414"/>
+            <a:ext cx="10602265" cy="1760328"/>
           </a:xfrm>
         </p:spPr>
         <p:txBody>
@@ -8542,21 +8986,47 @@
             </a:pPr>
             <a:r>
               <a:rPr lang="en-US" altLang="zh-TW" sz="4400" dirty="0">
-                <a:latin typeface="微軟正黑體" panose="020B0604030504040204" pitchFamily="34" charset="-120"/>
-                <a:ea typeface="微軟正黑體" panose="020B0604030504040204" pitchFamily="34" charset="-120"/>
+                <a:latin typeface="標楷體" panose="03000509000000000000" pitchFamily="65" charset="-120"/>
+                <a:ea typeface="標楷體" panose="03000509000000000000" pitchFamily="65" charset="-120"/>
               </a:rPr>
               <a:t>Chat </a:t>
             </a:r>
             <a:r>
               <a:rPr lang="en-US" altLang="zh-TW" sz="4400" dirty="0" err="1">
-                <a:latin typeface="微軟正黑體" panose="020B0604030504040204" pitchFamily="34" charset="-120"/>
-                <a:ea typeface="微軟正黑體" panose="020B0604030504040204" pitchFamily="34" charset="-120"/>
+                <a:latin typeface="標楷體" panose="03000509000000000000" pitchFamily="65" charset="-120"/>
+                <a:ea typeface="標楷體" panose="03000509000000000000" pitchFamily="65" charset="-120"/>
               </a:rPr>
               <a:t>Gpt</a:t>
             </a:r>
+            <a:endParaRPr lang="en-US" altLang="zh-TW" sz="4400" dirty="0">
+              <a:latin typeface="標楷體" panose="03000509000000000000" pitchFamily="65" charset="-120"/>
+              <a:ea typeface="標楷體" panose="03000509000000000000" pitchFamily="65" charset="-120"/>
+            </a:endParaRPr>
+          </a:p>
+          <a:p>
+            <a:pPr algn="l" rtl="0">
+              <a:lnSpc>
+                <a:spcPct val="100000"/>
+              </a:lnSpc>
+            </a:pPr>
+            <a:r>
+              <a:rPr lang="en-US" altLang="zh-TW" sz="4400" dirty="0">
+                <a:latin typeface="標楷體" panose="03000509000000000000" pitchFamily="65" charset="-120"/>
+                <a:ea typeface="標楷體" panose="03000509000000000000" pitchFamily="65" charset="-120"/>
+                <a:hlinkClick r:id="rId3"/>
+              </a:rPr>
+              <a:t>https://www.maxlist.xyz/2019/11/10/flask-sqlalchemy-setting</a:t>
+            </a:r>
+            <a:r>
+              <a:rPr lang="en-US" altLang="zh-TW" sz="4400" dirty="0">
+                <a:latin typeface="標楷體" panose="03000509000000000000" pitchFamily="65" charset="-120"/>
+                <a:ea typeface="標楷體" panose="03000509000000000000" pitchFamily="65" charset="-120"/>
+              </a:rPr>
+              <a:t>/</a:t>
+            </a:r>
             <a:endParaRPr lang="zh-TW" altLang="en-US" sz="4400" dirty="0">
-              <a:latin typeface="微軟正黑體" panose="020B0604030504040204" pitchFamily="34" charset="-120"/>
-              <a:ea typeface="微軟正黑體" panose="020B0604030504040204" pitchFamily="34" charset="-120"/>
+              <a:latin typeface="標楷體" panose="03000509000000000000" pitchFamily="65" charset="-120"/>
+              <a:ea typeface="標楷體" panose="03000509000000000000" pitchFamily="65" charset="-120"/>
             </a:endParaRPr>
           </a:p>
         </p:txBody>
@@ -8597,7 +9067,7 @@
 </p:sld>
 </file>
 
-<file path=ppt/slides/slide13.xml><?xml version="1.0" encoding="utf-8"?>
+<file path=ppt/slides/slide14.xml><?xml version="1.0" encoding="utf-8"?>
 <p:sld xmlns:a="http://schemas.openxmlformats.org/drawingml/2006/main" xmlns:r="http://schemas.openxmlformats.org/officeDocument/2006/relationships" xmlns:p="http://schemas.openxmlformats.org/presentationml/2006/main">
   <p:cSld>
     <p:spTree>
@@ -8699,7 +9169,7 @@
         </p:nvSpPr>
         <p:spPr>
           <a:xfrm>
-            <a:off x="2622431" y="2921168"/>
+            <a:off x="3158706" y="2676071"/>
             <a:ext cx="5874588" cy="1015663"/>
           </a:xfrm>
           <a:prstGeom prst="rect">
@@ -8815,8 +9285,8 @@
         </p:nvSpPr>
         <p:spPr>
           <a:xfrm>
-            <a:off x="1294363" y="767911"/>
-            <a:ext cx="9603275" cy="1049235"/>
+            <a:off x="1183151" y="518270"/>
+            <a:ext cx="9603275" cy="979192"/>
           </a:xfrm>
         </p:spPr>
         <p:txBody>
@@ -8871,7 +9341,7 @@
         </p:blipFill>
         <p:spPr>
           <a:xfrm>
-            <a:off x="10028262" y="206686"/>
+            <a:off x="10447624" y="132545"/>
             <a:ext cx="1122450" cy="1122450"/>
           </a:xfrm>
           <a:prstGeom prst="rect">
@@ -8897,8 +9367,8 @@
         </p:nvSpPr>
         <p:spPr>
           <a:xfrm>
-            <a:off x="1294361" y="1497462"/>
-            <a:ext cx="9603275" cy="4842268"/>
+            <a:off x="1952369" y="1497462"/>
+            <a:ext cx="6301946" cy="4842268"/>
           </a:xfrm>
         </p:spPr>
         <p:txBody>
@@ -9247,15 +9717,15 @@
           <a:p>
             <a:r>
               <a:rPr lang="zh-TW" altLang="zh-TW" sz="4800" dirty="0">
-                <a:latin typeface="微軟正黑體" panose="020B0604030504040204" pitchFamily="34" charset="-120"/>
-                <a:ea typeface="微軟正黑體" panose="020B0604030504040204" pitchFamily="34" charset="-120"/>
+                <a:latin typeface="標楷體" panose="03000509000000000000" pitchFamily="65" charset="-120"/>
+                <a:ea typeface="標楷體" panose="03000509000000000000" pitchFamily="65" charset="-120"/>
                 <a:cs typeface="Times New Roman" panose="02020603050405020304" pitchFamily="18" charset="0"/>
               </a:rPr>
               <a:t>作業說明</a:t>
             </a:r>
             <a:endParaRPr lang="zh-TW" altLang="en-US" sz="4800" dirty="0">
-              <a:latin typeface="微軟正黑體" panose="020B0604030504040204" pitchFamily="34" charset="-120"/>
-              <a:ea typeface="微軟正黑體" panose="020B0604030504040204" pitchFamily="34" charset="-120"/>
+              <a:latin typeface="標楷體" panose="03000509000000000000" pitchFamily="65" charset="-120"/>
+              <a:ea typeface="標楷體" panose="03000509000000000000" pitchFamily="65" charset="-120"/>
             </a:endParaRPr>
           </a:p>
         </p:txBody>
@@ -9327,16 +9797,16 @@
             <a:r>
               <a:rPr lang="zh-TW" altLang="zh-TW" sz="2800" kern="100" dirty="0">
                 <a:effectLst/>
-                <a:latin typeface="微軟正黑體" panose="020B0604030504040204" pitchFamily="34" charset="-120"/>
-                <a:ea typeface="微軟正黑體" panose="020B0604030504040204" pitchFamily="34" charset="-120"/>
+                <a:latin typeface="標楷體" panose="03000509000000000000" pitchFamily="65" charset="-120"/>
+                <a:ea typeface="標楷體" panose="03000509000000000000" pitchFamily="65" charset="-120"/>
                 <a:cs typeface="Segoe UI" panose="020B0502040204020203" pitchFamily="34" charset="0"/>
               </a:rPr>
               <a:t>這次的作業以設計一個網路點餐系統為主題</a:t>
             </a:r>
             <a:endParaRPr lang="en-US" altLang="zh-TW" sz="2800" kern="100" dirty="0">
               <a:effectLst/>
-              <a:latin typeface="微軟正黑體" panose="020B0604030504040204" pitchFamily="34" charset="-120"/>
-              <a:ea typeface="微軟正黑體" panose="020B0604030504040204" pitchFamily="34" charset="-120"/>
+              <a:latin typeface="標楷體" panose="03000509000000000000" pitchFamily="65" charset="-120"/>
+              <a:ea typeface="標楷體" panose="03000509000000000000" pitchFamily="65" charset="-120"/>
               <a:cs typeface="Times New Roman" panose="02020603050405020304" pitchFamily="18" charset="0"/>
             </a:endParaRPr>
           </a:p>
@@ -9344,8 +9814,8 @@
             <a:r>
               <a:rPr lang="zh-TW" altLang="zh-TW" sz="2800" kern="100" dirty="0">
                 <a:effectLst/>
-                <a:latin typeface="微軟正黑體" panose="020B0604030504040204" pitchFamily="34" charset="-120"/>
-                <a:ea typeface="微軟正黑體" panose="020B0604030504040204" pitchFamily="34" charset="-120"/>
+                <a:latin typeface="標楷體" panose="03000509000000000000" pitchFamily="65" charset="-120"/>
+                <a:ea typeface="標楷體" panose="03000509000000000000" pitchFamily="65" charset="-120"/>
                 <a:cs typeface="Times New Roman" panose="02020603050405020304" pitchFamily="18" charset="0"/>
               </a:rPr>
               <a:t>加深對</a:t>
@@ -9353,8 +9823,8 @@
             <a:r>
               <a:rPr lang="en-US" altLang="zh-TW" sz="2800" kern="100" dirty="0">
                 <a:effectLst/>
-                <a:latin typeface="微軟正黑體" panose="020B0604030504040204" pitchFamily="34" charset="-120"/>
-                <a:ea typeface="微軟正黑體" panose="020B0604030504040204" pitchFamily="34" charset="-120"/>
+                <a:latin typeface="標楷體" panose="03000509000000000000" pitchFamily="65" charset="-120"/>
+                <a:ea typeface="標楷體" panose="03000509000000000000" pitchFamily="65" charset="-120"/>
                 <a:cs typeface="Times New Roman" panose="02020603050405020304" pitchFamily="18" charset="0"/>
               </a:rPr>
               <a:t> Python </a:t>
@@ -9362,8 +9832,8 @@
             <a:r>
               <a:rPr lang="zh-TW" altLang="zh-TW" sz="2800" kern="100" dirty="0">
                 <a:effectLst/>
-                <a:latin typeface="微軟正黑體" panose="020B0604030504040204" pitchFamily="34" charset="-120"/>
-                <a:ea typeface="微軟正黑體" panose="020B0604030504040204" pitchFamily="34" charset="-120"/>
+                <a:latin typeface="標楷體" panose="03000509000000000000" pitchFamily="65" charset="-120"/>
+                <a:ea typeface="標楷體" panose="03000509000000000000" pitchFamily="65" charset="-120"/>
                 <a:cs typeface="Times New Roman" panose="02020603050405020304" pitchFamily="18" charset="0"/>
               </a:rPr>
               <a:t>語言的理解，特別是在</a:t>
@@ -9371,8 +9841,8 @@
             <a:r>
               <a:rPr lang="en-US" altLang="zh-TW" sz="2800" kern="100" dirty="0">
                 <a:effectLst/>
-                <a:latin typeface="微軟正黑體" panose="020B0604030504040204" pitchFamily="34" charset="-120"/>
-                <a:ea typeface="微軟正黑體" panose="020B0604030504040204" pitchFamily="34" charset="-120"/>
+                <a:latin typeface="標楷體" panose="03000509000000000000" pitchFamily="65" charset="-120"/>
+                <a:ea typeface="標楷體" panose="03000509000000000000" pitchFamily="65" charset="-120"/>
                 <a:cs typeface="Times New Roman" panose="02020603050405020304" pitchFamily="18" charset="0"/>
               </a:rPr>
               <a:t> web </a:t>
@@ -9380,8 +9850,8 @@
             <a:r>
               <a:rPr lang="zh-TW" altLang="zh-TW" sz="2800" kern="100" dirty="0">
                 <a:effectLst/>
-                <a:latin typeface="微軟正黑體" panose="020B0604030504040204" pitchFamily="34" charset="-120"/>
-                <a:ea typeface="微軟正黑體" panose="020B0604030504040204" pitchFamily="34" charset="-120"/>
+                <a:latin typeface="標楷體" panose="03000509000000000000" pitchFamily="65" charset="-120"/>
+                <a:ea typeface="標楷體" panose="03000509000000000000" pitchFamily="65" charset="-120"/>
                 <a:cs typeface="Times New Roman" panose="02020603050405020304" pitchFamily="18" charset="0"/>
               </a:rPr>
               <a:t>開發領域的應用。</a:t>
@@ -9391,8 +9861,8 @@
             <a:r>
               <a:rPr lang="zh-TW" altLang="zh-TW" sz="2800" kern="100" dirty="0">
                 <a:effectLst/>
-                <a:latin typeface="微軟正黑體" panose="020B0604030504040204" pitchFamily="34" charset="-120"/>
-                <a:ea typeface="微軟正黑體" panose="020B0604030504040204" pitchFamily="34" charset="-120"/>
+                <a:latin typeface="標楷體" panose="03000509000000000000" pitchFamily="65" charset="-120"/>
+                <a:ea typeface="標楷體" panose="03000509000000000000" pitchFamily="65" charset="-120"/>
                 <a:cs typeface="Times New Roman" panose="02020603050405020304" pitchFamily="18" charset="0"/>
               </a:rPr>
               <a:t>學會使用網頁框架（</a:t>
@@ -9400,8 +9870,8 @@
             <a:r>
               <a:rPr lang="en-US" altLang="zh-TW" sz="2800" kern="100" dirty="0">
                 <a:effectLst/>
-                <a:latin typeface="微軟正黑體" panose="020B0604030504040204" pitchFamily="34" charset="-120"/>
-                <a:ea typeface="微軟正黑體" panose="020B0604030504040204" pitchFamily="34" charset="-120"/>
+                <a:latin typeface="標楷體" panose="03000509000000000000" pitchFamily="65" charset="-120"/>
+                <a:ea typeface="標楷體" panose="03000509000000000000" pitchFamily="65" charset="-120"/>
                 <a:cs typeface="Times New Roman" panose="02020603050405020304" pitchFamily="18" charset="0"/>
               </a:rPr>
               <a:t>Flask </a:t>
@@ -9409,8 +9879,8 @@
             <a:r>
               <a:rPr lang="zh-TW" altLang="zh-TW" sz="2800" kern="100" dirty="0">
                 <a:effectLst/>
-                <a:latin typeface="微軟正黑體" panose="020B0604030504040204" pitchFamily="34" charset="-120"/>
-                <a:ea typeface="微軟正黑體" panose="020B0604030504040204" pitchFamily="34" charset="-120"/>
+                <a:latin typeface="標楷體" panose="03000509000000000000" pitchFamily="65" charset="-120"/>
+                <a:ea typeface="標楷體" panose="03000509000000000000" pitchFamily="65" charset="-120"/>
                 <a:cs typeface="Times New Roman" panose="02020603050405020304" pitchFamily="18" charset="0"/>
               </a:rPr>
               <a:t>）建立完整的網路應用。</a:t>
@@ -9424,8 +9894,8 @@
             <a:r>
               <a:rPr lang="zh-TW" altLang="zh-TW" sz="2800" kern="100" dirty="0">
                 <a:effectLst/>
-                <a:latin typeface="Calibri" panose="020F0502020204030204" pitchFamily="34" charset="0"/>
-                <a:ea typeface="微軟正黑體" panose="020B0604030504040204" pitchFamily="34" charset="-120"/>
+                <a:latin typeface="標楷體" panose="03000509000000000000" pitchFamily="65" charset="-120"/>
+                <a:ea typeface="標楷體" panose="03000509000000000000" pitchFamily="65" charset="-120"/>
                 <a:cs typeface="Times New Roman" panose="02020603050405020304" pitchFamily="18" charset="0"/>
               </a:rPr>
               <a:t>了解資料庫的基本操作，包括建立資料表、</a:t>
@@ -9433,8 +9903,8 @@
             <a:r>
               <a:rPr lang="en-US" altLang="zh-TW" sz="2800" kern="100" dirty="0">
                 <a:effectLst/>
-                <a:latin typeface="Calibri" panose="020F0502020204030204" pitchFamily="34" charset="0"/>
-                <a:ea typeface="微軟正黑體" panose="020B0604030504040204" pitchFamily="34" charset="-120"/>
+                <a:latin typeface="標楷體" panose="03000509000000000000" pitchFamily="65" charset="-120"/>
+                <a:ea typeface="標楷體" panose="03000509000000000000" pitchFamily="65" charset="-120"/>
                 <a:cs typeface="Times New Roman" panose="02020603050405020304" pitchFamily="18" charset="0"/>
               </a:rPr>
               <a:t>CRUD(</a:t>
@@ -9442,8 +9912,8 @@
             <a:r>
               <a:rPr lang="zh-TW" altLang="zh-TW" sz="2800" kern="100" dirty="0">
                 <a:effectLst/>
-                <a:latin typeface="Calibri" panose="020F0502020204030204" pitchFamily="34" charset="0"/>
-                <a:ea typeface="微軟正黑體" panose="020B0604030504040204" pitchFamily="34" charset="-120"/>
+                <a:latin typeface="標楷體" panose="03000509000000000000" pitchFamily="65" charset="-120"/>
+                <a:ea typeface="標楷體" panose="03000509000000000000" pitchFamily="65" charset="-120"/>
                 <a:cs typeface="Times New Roman" panose="02020603050405020304" pitchFamily="18" charset="0"/>
               </a:rPr>
               <a:t>增加、刪除、查詢、修改</a:t>
@@ -9451,8 +9921,8 @@
             <a:r>
               <a:rPr lang="en-US" altLang="zh-TW" sz="2800" kern="100" dirty="0">
                 <a:effectLst/>
-                <a:latin typeface="Calibri" panose="020F0502020204030204" pitchFamily="34" charset="0"/>
-                <a:ea typeface="微軟正黑體" panose="020B0604030504040204" pitchFamily="34" charset="-120"/>
+                <a:latin typeface="標楷體" panose="03000509000000000000" pitchFamily="65" charset="-120"/>
+                <a:ea typeface="標楷體" panose="03000509000000000000" pitchFamily="65" charset="-120"/>
                 <a:cs typeface="Times New Roman" panose="02020603050405020304" pitchFamily="18" charset="0"/>
               </a:rPr>
               <a:t>)</a:t>
@@ -9460,25 +9930,19 @@
             <a:r>
               <a:rPr lang="zh-TW" altLang="zh-TW" sz="2800" kern="100" dirty="0">
                 <a:effectLst/>
-                <a:latin typeface="Calibri" panose="020F0502020204030204" pitchFamily="34" charset="0"/>
-                <a:ea typeface="微軟正黑體" panose="020B0604030504040204" pitchFamily="34" charset="-120"/>
+                <a:latin typeface="標楷體" panose="03000509000000000000" pitchFamily="65" charset="-120"/>
+                <a:ea typeface="標楷體" panose="03000509000000000000" pitchFamily="65" charset="-120"/>
                 <a:cs typeface="Times New Roman" panose="02020603050405020304" pitchFamily="18" charset="0"/>
               </a:rPr>
               <a:t>操作等。</a:t>
             </a:r>
-            <a:endParaRPr lang="zh-TW" altLang="zh-TW" sz="2800" kern="100" dirty="0">
-              <a:effectLst/>
-              <a:latin typeface="Calibri" panose="020F0502020204030204" pitchFamily="34" charset="0"/>
-              <a:ea typeface="新細明體" panose="02020500000000000000" pitchFamily="18" charset="-120"/>
-              <a:cs typeface="Times New Roman" panose="02020603050405020304" pitchFamily="18" charset="0"/>
-            </a:endParaRPr>
           </a:p>
           <a:p>
             <a:r>
               <a:rPr lang="zh-TW" altLang="zh-TW" sz="2800" kern="100" dirty="0">
                 <a:effectLst/>
-                <a:latin typeface="微軟正黑體" panose="020B0604030504040204" pitchFamily="34" charset="-120"/>
-                <a:ea typeface="微軟正黑體" panose="020B0604030504040204" pitchFamily="34" charset="-120"/>
+                <a:latin typeface="標楷體" panose="03000509000000000000" pitchFamily="65" charset="-120"/>
+                <a:ea typeface="標楷體" panose="03000509000000000000" pitchFamily="65" charset="-120"/>
                 <a:cs typeface="Times New Roman" panose="02020603050405020304" pitchFamily="18" charset="0"/>
               </a:rPr>
               <a:t>熟悉網路點餐系統的設計與開發，培養問題解決能力。</a:t>
@@ -9547,18 +10011,12 @@
             <a:r>
               <a:rPr lang="zh-TW" altLang="zh-TW" sz="4800" kern="100" dirty="0">
                 <a:effectLst/>
-                <a:latin typeface="Calibri" panose="020F0502020204030204" pitchFamily="34" charset="0"/>
-                <a:ea typeface="微軟正黑體" panose="020B0604030504040204" pitchFamily="34" charset="-120"/>
+                <a:latin typeface="標楷體" panose="03000509000000000000" pitchFamily="65" charset="-120"/>
+                <a:ea typeface="標楷體" panose="03000509000000000000" pitchFamily="65" charset="-120"/>
                 <a:cs typeface="Times New Roman" panose="02020603050405020304" pitchFamily="18" charset="0"/>
               </a:rPr>
               <a:t>背景資料</a:t>
             </a:r>
-            <a:endParaRPr lang="zh-TW" altLang="zh-TW" sz="4800" kern="100" dirty="0">
-              <a:effectLst/>
-              <a:latin typeface="Calibri" panose="020F0502020204030204" pitchFamily="34" charset="0"/>
-              <a:ea typeface="新細明體" panose="02020500000000000000" pitchFamily="18" charset="-120"/>
-              <a:cs typeface="Times New Roman" panose="02020603050405020304" pitchFamily="18" charset="0"/>
-            </a:endParaRPr>
           </a:p>
         </p:txBody>
       </p:sp>
@@ -9616,7 +10074,7 @@
         </p:nvSpPr>
         <p:spPr>
           <a:xfrm>
-            <a:off x="1324770" y="1532483"/>
+            <a:off x="1294361" y="1947263"/>
             <a:ext cx="9603275" cy="5128518"/>
           </a:xfrm>
         </p:spPr>
@@ -9634,8 +10092,8 @@
             <a:r>
               <a:rPr lang="en-US" altLang="zh-TW" sz="3200" kern="100" dirty="0">
                 <a:effectLst/>
-                <a:latin typeface="微軟正黑體" panose="020B0604030504040204" pitchFamily="34" charset="-120"/>
-                <a:ea typeface="新細明體" panose="02020500000000000000" pitchFamily="18" charset="-120"/>
+                <a:latin typeface="標楷體" panose="03000509000000000000" pitchFamily="65" charset="-120"/>
+                <a:ea typeface="標楷體" panose="03000509000000000000" pitchFamily="65" charset="-120"/>
                 <a:cs typeface="Times New Roman" panose="02020603050405020304" pitchFamily="18" charset="0"/>
               </a:rPr>
               <a:t>Python </a:t>
@@ -9643,8 +10101,8 @@
             <a:r>
               <a:rPr lang="zh-TW" altLang="zh-TW" sz="3200" kern="100" dirty="0">
                 <a:effectLst/>
-                <a:latin typeface="Calibri" panose="020F0502020204030204" pitchFamily="34" charset="0"/>
-                <a:ea typeface="微軟正黑體" panose="020B0604030504040204" pitchFamily="34" charset="-120"/>
+                <a:latin typeface="標楷體" panose="03000509000000000000" pitchFamily="65" charset="-120"/>
+                <a:ea typeface="標楷體" panose="03000509000000000000" pitchFamily="65" charset="-120"/>
                 <a:cs typeface="Times New Roman" panose="02020603050405020304" pitchFamily="18" charset="0"/>
               </a:rPr>
               <a:t>是一種高階程式語言，廣泛應用於軟體開發、資料分析、人工智慧等領域。搭配</a:t>
@@ -9652,8 +10110,8 @@
             <a:r>
               <a:rPr lang="en-US" altLang="zh-TW" sz="3200" kern="100" dirty="0">
                 <a:effectLst/>
-                <a:latin typeface="微軟正黑體" panose="020B0604030504040204" pitchFamily="34" charset="-120"/>
-                <a:ea typeface="新細明體" panose="02020500000000000000" pitchFamily="18" charset="-120"/>
+                <a:latin typeface="標楷體" panose="03000509000000000000" pitchFamily="65" charset="-120"/>
+                <a:ea typeface="標楷體" panose="03000509000000000000" pitchFamily="65" charset="-120"/>
                 <a:cs typeface="Segoe UI" panose="020B0502040204020203" pitchFamily="34" charset="0"/>
               </a:rPr>
               <a:t>Python</a:t>
@@ -9661,8 +10119,8 @@
             <a:r>
               <a:rPr lang="zh-TW" altLang="zh-TW" sz="3200" kern="100" dirty="0">
                 <a:effectLst/>
-                <a:latin typeface="Calibri" panose="020F0502020204030204" pitchFamily="34" charset="0"/>
-                <a:ea typeface="微軟正黑體" panose="020B0604030504040204" pitchFamily="34" charset="-120"/>
+                <a:latin typeface="標楷體" panose="03000509000000000000" pitchFamily="65" charset="-120"/>
+                <a:ea typeface="標楷體" panose="03000509000000000000" pitchFamily="65" charset="-120"/>
                 <a:cs typeface="Segoe UI" panose="020B0502040204020203" pitchFamily="34" charset="0"/>
               </a:rPr>
               <a:t>的網頁框架（</a:t>
@@ -9670,8 +10128,8 @@
             <a:r>
               <a:rPr lang="en-US" altLang="zh-TW" sz="3200" kern="100" dirty="0">
                 <a:effectLst/>
-                <a:latin typeface="Calibri" panose="020F0502020204030204" pitchFamily="34" charset="0"/>
-                <a:ea typeface="微軟正黑體" panose="020B0604030504040204" pitchFamily="34" charset="-120"/>
+                <a:latin typeface="標楷體" panose="03000509000000000000" pitchFamily="65" charset="-120"/>
+                <a:ea typeface="標楷體" panose="03000509000000000000" pitchFamily="65" charset="-120"/>
                 <a:cs typeface="Segoe UI" panose="020B0502040204020203" pitchFamily="34" charset="0"/>
               </a:rPr>
               <a:t>Flask</a:t>
@@ -9679,8 +10137,8 @@
             <a:r>
               <a:rPr lang="zh-TW" altLang="zh-TW" sz="3200" kern="100" dirty="0">
                 <a:effectLst/>
-                <a:latin typeface="Calibri" panose="020F0502020204030204" pitchFamily="34" charset="0"/>
-                <a:ea typeface="微軟正黑體" panose="020B0604030504040204" pitchFamily="34" charset="-120"/>
+                <a:latin typeface="標楷體" panose="03000509000000000000" pitchFamily="65" charset="-120"/>
+                <a:ea typeface="標楷體" panose="03000509000000000000" pitchFamily="65" charset="-120"/>
                 <a:cs typeface="Segoe UI" panose="020B0502040204020203" pitchFamily="34" charset="0"/>
               </a:rPr>
               <a:t>）來建立我們的網路點餐系統。</a:t>
@@ -9688,18 +10146,12 @@
             <a:r>
               <a:rPr lang="zh-TW" altLang="zh-TW" sz="3200" kern="100" dirty="0">
                 <a:effectLst/>
-                <a:latin typeface="Calibri" panose="020F0502020204030204" pitchFamily="34" charset="0"/>
-                <a:ea typeface="微軟正黑體" panose="020B0604030504040204" pitchFamily="34" charset="-120"/>
+                <a:latin typeface="標楷體" panose="03000509000000000000" pitchFamily="65" charset="-120"/>
+                <a:ea typeface="標楷體" panose="03000509000000000000" pitchFamily="65" charset="-120"/>
                 <a:cs typeface="Times New Roman" panose="02020603050405020304" pitchFamily="18" charset="0"/>
               </a:rPr>
               <a:t>實現一個網路點餐系統。</a:t>
             </a:r>
-            <a:endParaRPr lang="zh-TW" altLang="zh-TW" sz="3200" kern="100" dirty="0">
-              <a:effectLst/>
-              <a:latin typeface="Calibri" panose="020F0502020204030204" pitchFamily="34" charset="0"/>
-              <a:ea typeface="新細明體" panose="02020500000000000000" pitchFamily="18" charset="-120"/>
-              <a:cs typeface="Times New Roman" panose="02020603050405020304" pitchFamily="18" charset="0"/>
-            </a:endParaRPr>
           </a:p>
         </p:txBody>
       </p:sp>
@@ -9774,7 +10226,7 @@
         </p:nvSpPr>
         <p:spPr>
           <a:xfrm>
-            <a:off x="1294363" y="804519"/>
+            <a:off x="1030412" y="691397"/>
             <a:ext cx="9603275" cy="1049235"/>
           </a:xfrm>
         </p:spPr>
@@ -9787,8 +10239,8 @@
             <a:r>
               <a:rPr lang="zh-TW" altLang="zh-TW" sz="4400" kern="100" dirty="0">
                 <a:effectLst/>
-                <a:latin typeface="Calibri" panose="020F0502020204030204" pitchFamily="34" charset="0"/>
-                <a:ea typeface="微軟正黑體" panose="020B0604030504040204" pitchFamily="34" charset="-120"/>
+                <a:latin typeface="標楷體" panose="03000509000000000000" pitchFamily="65" charset="-120"/>
+                <a:ea typeface="標楷體" panose="03000509000000000000" pitchFamily="65" charset="-120"/>
                 <a:cs typeface="Times New Roman" panose="02020603050405020304" pitchFamily="18" charset="0"/>
               </a:rPr>
               <a:t> </a:t>
@@ -9796,8 +10248,8 @@
             <a:r>
               <a:rPr lang="zh-TW" altLang="zh-TW" sz="4800" kern="100" dirty="0">
                 <a:effectLst/>
-                <a:latin typeface="Calibri" panose="020F0502020204030204" pitchFamily="34" charset="0"/>
-                <a:ea typeface="微軟正黑體" panose="020B0604030504040204" pitchFamily="34" charset="-120"/>
+                <a:latin typeface="標楷體" panose="03000509000000000000" pitchFamily="65" charset="-120"/>
+                <a:ea typeface="標楷體" panose="03000509000000000000" pitchFamily="65" charset="-120"/>
                 <a:cs typeface="Times New Roman" panose="02020603050405020304" pitchFamily="18" charset="0"/>
               </a:rPr>
               <a:t>環境</a:t>
@@ -9805,18 +10257,12 @@
             <a:r>
               <a:rPr lang="zh-TW" altLang="zh-TW" sz="4400" kern="100" dirty="0">
                 <a:effectLst/>
-                <a:latin typeface="Calibri" panose="020F0502020204030204" pitchFamily="34" charset="0"/>
-                <a:ea typeface="微軟正黑體" panose="020B0604030504040204" pitchFamily="34" charset="-120"/>
+                <a:latin typeface="標楷體" panose="03000509000000000000" pitchFamily="65" charset="-120"/>
+                <a:ea typeface="標楷體" panose="03000509000000000000" pitchFamily="65" charset="-120"/>
                 <a:cs typeface="Times New Roman" panose="02020603050405020304" pitchFamily="18" charset="0"/>
               </a:rPr>
               <a:t>介紹</a:t>
             </a:r>
-            <a:endParaRPr lang="zh-TW" altLang="zh-TW" sz="4400" kern="100" dirty="0">
-              <a:effectLst/>
-              <a:latin typeface="Calibri" panose="020F0502020204030204" pitchFamily="34" charset="0"/>
-              <a:ea typeface="新細明體" panose="02020500000000000000" pitchFamily="18" charset="-120"/>
-              <a:cs typeface="Times New Roman" panose="02020603050405020304" pitchFamily="18" charset="0"/>
-            </a:endParaRPr>
           </a:p>
         </p:txBody>
       </p:sp>
@@ -9887,25 +10333,19 @@
             <a:r>
               <a:rPr lang="zh-TW" altLang="zh-TW" sz="3600" kern="100" dirty="0">
                 <a:effectLst/>
-                <a:latin typeface="Calibri" panose="020F0502020204030204" pitchFamily="34" charset="0"/>
-                <a:ea typeface="微軟正黑體" panose="020B0604030504040204" pitchFamily="34" charset="-120"/>
+                <a:latin typeface="標楷體" panose="03000509000000000000" pitchFamily="65" charset="-120"/>
+                <a:ea typeface="標楷體" panose="03000509000000000000" pitchFamily="65" charset="-120"/>
                 <a:cs typeface="Times New Roman" panose="02020603050405020304" pitchFamily="18" charset="0"/>
               </a:rPr>
               <a:t>硬體：個人電腦。</a:t>
             </a:r>
-            <a:endParaRPr lang="zh-TW" altLang="zh-TW" sz="3600" kern="100" dirty="0">
-              <a:effectLst/>
-              <a:latin typeface="Calibri" panose="020F0502020204030204" pitchFamily="34" charset="0"/>
-              <a:ea typeface="新細明體" panose="02020500000000000000" pitchFamily="18" charset="-120"/>
-              <a:cs typeface="Times New Roman" panose="02020603050405020304" pitchFamily="18" charset="0"/>
-            </a:endParaRPr>
           </a:p>
           <a:p>
             <a:r>
               <a:rPr lang="zh-TW" altLang="zh-TW" sz="3600" kern="100" dirty="0">
                 <a:effectLst/>
-                <a:latin typeface="Calibri" panose="020F0502020204030204" pitchFamily="34" charset="0"/>
-                <a:ea typeface="微軟正黑體" panose="020B0604030504040204" pitchFamily="34" charset="-120"/>
+                <a:latin typeface="標楷體" panose="03000509000000000000" pitchFamily="65" charset="-120"/>
+                <a:ea typeface="標楷體" panose="03000509000000000000" pitchFamily="65" charset="-120"/>
                 <a:cs typeface="Times New Roman" panose="02020603050405020304" pitchFamily="18" charset="0"/>
               </a:rPr>
               <a:t>作業系統：</a:t>
@@ -9913,8 +10353,8 @@
             <a:r>
               <a:rPr lang="en-US" altLang="zh-TW" sz="3600" kern="100" dirty="0">
                 <a:effectLst/>
-                <a:latin typeface="Calibri" panose="020F0502020204030204" pitchFamily="34" charset="0"/>
-                <a:ea typeface="微軟正黑體" panose="020B0604030504040204" pitchFamily="34" charset="-120"/>
+                <a:latin typeface="標楷體" panose="03000509000000000000" pitchFamily="65" charset="-120"/>
+                <a:ea typeface="標楷體" panose="03000509000000000000" pitchFamily="65" charset="-120"/>
                 <a:cs typeface="Times New Roman" panose="02020603050405020304" pitchFamily="18" charset="0"/>
               </a:rPr>
               <a:t>Windows</a:t>
@@ -9922,25 +10362,19 @@
             <a:r>
               <a:rPr lang="zh-TW" altLang="zh-TW" sz="3600" kern="100" dirty="0">
                 <a:effectLst/>
-                <a:latin typeface="Calibri" panose="020F0502020204030204" pitchFamily="34" charset="0"/>
-                <a:ea typeface="微軟正黑體" panose="020B0604030504040204" pitchFamily="34" charset="-120"/>
+                <a:latin typeface="標楷體" panose="03000509000000000000" pitchFamily="65" charset="-120"/>
+                <a:ea typeface="標楷體" panose="03000509000000000000" pitchFamily="65" charset="-120"/>
                 <a:cs typeface="Times New Roman" panose="02020603050405020304" pitchFamily="18" charset="0"/>
               </a:rPr>
               <a:t>。</a:t>
             </a:r>
-            <a:endParaRPr lang="zh-TW" altLang="zh-TW" sz="3600" kern="100" dirty="0">
-              <a:effectLst/>
-              <a:latin typeface="Calibri" panose="020F0502020204030204" pitchFamily="34" charset="0"/>
-              <a:ea typeface="新細明體" panose="02020500000000000000" pitchFamily="18" charset="-120"/>
-              <a:cs typeface="Times New Roman" panose="02020603050405020304" pitchFamily="18" charset="0"/>
-            </a:endParaRPr>
           </a:p>
           <a:p>
             <a:r>
               <a:rPr lang="zh-TW" altLang="zh-TW" sz="3600" kern="100" dirty="0">
                 <a:effectLst/>
-                <a:latin typeface="Calibri" panose="020F0502020204030204" pitchFamily="34" charset="0"/>
-                <a:ea typeface="微軟正黑體" panose="020B0604030504040204" pitchFamily="34" charset="-120"/>
+                <a:latin typeface="標楷體" panose="03000509000000000000" pitchFamily="65" charset="-120"/>
+                <a:ea typeface="標楷體" panose="03000509000000000000" pitchFamily="65" charset="-120"/>
                 <a:cs typeface="Times New Roman" panose="02020603050405020304" pitchFamily="18" charset="0"/>
               </a:rPr>
               <a:t>使用工具： </a:t>
@@ -9948,8 +10382,8 @@
             <a:r>
               <a:rPr lang="en-US" altLang="zh-TW" sz="3600" kern="100" dirty="0" err="1">
                 <a:effectLst/>
-                <a:latin typeface="Calibri" panose="020F0502020204030204" pitchFamily="34" charset="0"/>
-                <a:ea typeface="微軟正黑體" panose="020B0604030504040204" pitchFamily="34" charset="-120"/>
+                <a:latin typeface="標楷體" panose="03000509000000000000" pitchFamily="65" charset="-120"/>
+                <a:ea typeface="標楷體" panose="03000509000000000000" pitchFamily="65" charset="-120"/>
                 <a:cs typeface="Times New Roman" panose="02020603050405020304" pitchFamily="18" charset="0"/>
               </a:rPr>
               <a:t>VSCode</a:t>
@@ -9957,8 +10391,8 @@
             <a:r>
               <a:rPr lang="zh-TW" altLang="zh-TW" sz="3600" kern="100" dirty="0">
                 <a:effectLst/>
-                <a:latin typeface="Calibri" panose="020F0502020204030204" pitchFamily="34" charset="0"/>
-                <a:ea typeface="微軟正黑體" panose="020B0604030504040204" pitchFamily="34" charset="-120"/>
+                <a:latin typeface="標楷體" panose="03000509000000000000" pitchFamily="65" charset="-120"/>
+                <a:ea typeface="標楷體" panose="03000509000000000000" pitchFamily="65" charset="-120"/>
                 <a:cs typeface="Times New Roman" panose="02020603050405020304" pitchFamily="18" charset="0"/>
               </a:rPr>
               <a:t>、網頁框架（</a:t>
@@ -9966,8 +10400,8 @@
             <a:r>
               <a:rPr lang="en-US" altLang="zh-TW" sz="3600" kern="100" dirty="0">
                 <a:effectLst/>
-                <a:latin typeface="Calibri" panose="020F0502020204030204" pitchFamily="34" charset="0"/>
-                <a:ea typeface="微軟正黑體" panose="020B0604030504040204" pitchFamily="34" charset="-120"/>
+                <a:latin typeface="標楷體" panose="03000509000000000000" pitchFamily="65" charset="-120"/>
+                <a:ea typeface="標楷體" panose="03000509000000000000" pitchFamily="65" charset="-120"/>
                 <a:cs typeface="Times New Roman" panose="02020603050405020304" pitchFamily="18" charset="0"/>
               </a:rPr>
               <a:t>Flask</a:t>
@@ -9975,8 +10409,8 @@
             <a:r>
               <a:rPr lang="zh-TW" altLang="zh-TW" sz="3600" kern="100" dirty="0">
                 <a:effectLst/>
-                <a:latin typeface="Calibri" panose="020F0502020204030204" pitchFamily="34" charset="0"/>
-                <a:ea typeface="微軟正黑體" panose="020B0604030504040204" pitchFamily="34" charset="-120"/>
+                <a:latin typeface="標楷體" panose="03000509000000000000" pitchFamily="65" charset="-120"/>
+                <a:ea typeface="標楷體" panose="03000509000000000000" pitchFamily="65" charset="-120"/>
                 <a:cs typeface="Times New Roman" panose="02020603050405020304" pitchFamily="18" charset="0"/>
               </a:rPr>
               <a:t>）、資料庫（</a:t>
@@ -9984,8 +10418,8 @@
             <a:r>
               <a:rPr lang="en-US" altLang="zh-TW" sz="3600" kern="100" dirty="0">
                 <a:effectLst/>
-                <a:latin typeface="Calibri" panose="020F0502020204030204" pitchFamily="34" charset="0"/>
-                <a:ea typeface="微軟正黑體" panose="020B0604030504040204" pitchFamily="34" charset="-120"/>
+                <a:latin typeface="標楷體" panose="03000509000000000000" pitchFamily="65" charset="-120"/>
+                <a:ea typeface="標楷體" panose="03000509000000000000" pitchFamily="65" charset="-120"/>
                 <a:cs typeface="Times New Roman" panose="02020603050405020304" pitchFamily="18" charset="0"/>
               </a:rPr>
               <a:t>SQLite</a:t>
@@ -9993,18 +10427,12 @@
             <a:r>
               <a:rPr lang="zh-TW" altLang="zh-TW" sz="3600" kern="100" dirty="0">
                 <a:effectLst/>
-                <a:latin typeface="Calibri" panose="020F0502020204030204" pitchFamily="34" charset="0"/>
-                <a:ea typeface="微軟正黑體" panose="020B0604030504040204" pitchFamily="34" charset="-120"/>
+                <a:latin typeface="標楷體" panose="03000509000000000000" pitchFamily="65" charset="-120"/>
+                <a:ea typeface="標楷體" panose="03000509000000000000" pitchFamily="65" charset="-120"/>
                 <a:cs typeface="Times New Roman" panose="02020603050405020304" pitchFamily="18" charset="0"/>
               </a:rPr>
               <a:t>）。</a:t>
             </a:r>
-            <a:endParaRPr lang="zh-TW" altLang="zh-TW" sz="3600" kern="100" dirty="0">
-              <a:effectLst/>
-              <a:latin typeface="Calibri" panose="020F0502020204030204" pitchFamily="34" charset="0"/>
-              <a:ea typeface="新細明體" panose="02020500000000000000" pitchFamily="18" charset="-120"/>
-              <a:cs typeface="Times New Roman" panose="02020603050405020304" pitchFamily="18" charset="0"/>
-            </a:endParaRPr>
           </a:p>
         </p:txBody>
       </p:sp>
@@ -10079,7 +10507,7 @@
         </p:nvSpPr>
         <p:spPr>
           <a:xfrm>
-            <a:off x="1290909" y="798974"/>
+            <a:off x="1064665" y="764511"/>
             <a:ext cx="9610182" cy="601226"/>
           </a:xfrm>
         </p:spPr>
@@ -10092,31 +10520,31 @@
             <a:pPr rtl="0"/>
             <a:r>
               <a:rPr lang="zh-TW" altLang="en-US" sz="4800" dirty="0">
-                <a:latin typeface="微軟正黑體" panose="020B0604030504040204" pitchFamily="34" charset="-120"/>
-                <a:ea typeface="微軟正黑體" panose="020B0604030504040204" pitchFamily="34" charset="-120"/>
+                <a:latin typeface="標楷體" panose="03000509000000000000" pitchFamily="65" charset="-120"/>
+                <a:ea typeface="標楷體" panose="03000509000000000000" pitchFamily="65" charset="-120"/>
               </a:rPr>
               <a:t>製作方法</a:t>
             </a:r>
             <a:r>
               <a:rPr lang="en-US" altLang="zh-TW" sz="4800" dirty="0">
-                <a:latin typeface="微軟正黑體" panose="020B0604030504040204" pitchFamily="34" charset="-120"/>
-                <a:ea typeface="微軟正黑體" panose="020B0604030504040204" pitchFamily="34" charset="-120"/>
+                <a:latin typeface="標楷體" panose="03000509000000000000" pitchFamily="65" charset="-120"/>
+                <a:ea typeface="標楷體" panose="03000509000000000000" pitchFamily="65" charset="-120"/>
               </a:rPr>
               <a:t>-</a:t>
             </a:r>
             <a:r>
               <a:rPr lang="zh-TW" altLang="zh-TW" sz="4800" dirty="0">
                 <a:effectLst/>
-                <a:latin typeface="微軟正黑體" panose="020B0604030504040204" pitchFamily="34" charset="-120"/>
-                <a:ea typeface="微軟正黑體" panose="020B0604030504040204" pitchFamily="34" charset="-120"/>
+                <a:latin typeface="標楷體" panose="03000509000000000000" pitchFamily="65" charset="-120"/>
+                <a:ea typeface="標楷體" panose="03000509000000000000" pitchFamily="65" charset="-120"/>
                 <a:cs typeface="Times New Roman" panose="02020603050405020304" pitchFamily="18" charset="0"/>
               </a:rPr>
               <a:t>環境檢查</a:t>
             </a:r>
             <a:r>
               <a:rPr lang="zh-TW" altLang="en-US" sz="4800" dirty="0">
-                <a:latin typeface="微軟正黑體" panose="020B0604030504040204" pitchFamily="34" charset="-120"/>
-                <a:ea typeface="微軟正黑體" panose="020B0604030504040204" pitchFamily="34" charset="-120"/>
+                <a:latin typeface="標楷體" panose="03000509000000000000" pitchFamily="65" charset="-120"/>
+                <a:ea typeface="標楷體" panose="03000509000000000000" pitchFamily="65" charset="-120"/>
                 <a:cs typeface="Times New Roman" panose="02020603050405020304" pitchFamily="18" charset="0"/>
               </a:rPr>
               <a:t>、</a:t>
@@ -10124,15 +10552,15 @@
             <a:r>
               <a:rPr lang="zh-TW" altLang="zh-TW" sz="4800" dirty="0">
                 <a:effectLst/>
-                <a:latin typeface="微軟正黑體" panose="020B0604030504040204" pitchFamily="34" charset="-120"/>
-                <a:ea typeface="微軟正黑體" panose="020B0604030504040204" pitchFamily="34" charset="-120"/>
+                <a:latin typeface="標楷體" panose="03000509000000000000" pitchFamily="65" charset="-120"/>
+                <a:ea typeface="標楷體" panose="03000509000000000000" pitchFamily="65" charset="-120"/>
                 <a:cs typeface="Times New Roman" panose="02020603050405020304" pitchFamily="18" charset="0"/>
               </a:rPr>
               <a:t>安裝與設定</a:t>
             </a:r>
             <a:endParaRPr lang="zh-TW" altLang="en-US" sz="4800" dirty="0">
-              <a:latin typeface="微軟正黑體" panose="020B0604030504040204" pitchFamily="34" charset="-120"/>
-              <a:ea typeface="微軟正黑體" panose="020B0604030504040204" pitchFamily="34" charset="-120"/>
+              <a:latin typeface="標楷體" panose="03000509000000000000" pitchFamily="65" charset="-120"/>
+              <a:ea typeface="標楷體" panose="03000509000000000000" pitchFamily="65" charset="-120"/>
             </a:endParaRPr>
           </a:p>
         </p:txBody>
@@ -10191,7 +10619,7 @@
         </p:nvSpPr>
         <p:spPr>
           <a:xfrm>
-            <a:off x="894262" y="1796586"/>
+            <a:off x="1214773" y="2032256"/>
             <a:ext cx="6591300" cy="3836725"/>
           </a:xfrm>
         </p:spPr>
@@ -10208,16 +10636,16 @@
             <a:r>
               <a:rPr lang="zh-TW" altLang="zh-TW" sz="2800" kern="100" dirty="0">
                 <a:effectLst/>
-                <a:latin typeface="微軟正黑體" panose="020B0604030504040204" pitchFamily="34" charset="-120"/>
-                <a:ea typeface="微軟正黑體" panose="020B0604030504040204" pitchFamily="34" charset="-120"/>
+                <a:latin typeface="標楷體" panose="03000509000000000000" pitchFamily="65" charset="-120"/>
+                <a:ea typeface="標楷體" panose="03000509000000000000" pitchFamily="65" charset="-120"/>
                 <a:cs typeface="Times New Roman" panose="02020603050405020304" pitchFamily="18" charset="0"/>
               </a:rPr>
               <a:t>環境檢查</a:t>
             </a:r>
             <a:r>
               <a:rPr lang="zh-TW" altLang="en-US" sz="2800" kern="100" dirty="0">
-                <a:latin typeface="微軟正黑體" panose="020B0604030504040204" pitchFamily="34" charset="-120"/>
-                <a:ea typeface="微軟正黑體" panose="020B0604030504040204" pitchFamily="34" charset="-120"/>
+                <a:latin typeface="標楷體" panose="03000509000000000000" pitchFamily="65" charset="-120"/>
+                <a:ea typeface="標楷體" panose="03000509000000000000" pitchFamily="65" charset="-120"/>
                 <a:cs typeface="Times New Roman" panose="02020603050405020304" pitchFamily="18" charset="0"/>
               </a:rPr>
               <a:t>：</a:t>
@@ -10225,8 +10653,8 @@
             <a:r>
               <a:rPr lang="zh-TW" altLang="zh-TW" sz="2800" kern="100" dirty="0">
                 <a:effectLst/>
-                <a:latin typeface="微軟正黑體" panose="020B0604030504040204" pitchFamily="34" charset="-120"/>
-                <a:ea typeface="微軟正黑體" panose="020B0604030504040204" pitchFamily="34" charset="-120"/>
+                <a:latin typeface="標楷體" panose="03000509000000000000" pitchFamily="65" charset="-120"/>
+                <a:ea typeface="標楷體" panose="03000509000000000000" pitchFamily="65" charset="-120"/>
                 <a:cs typeface="Segoe UI" panose="020B0502040204020203" pitchFamily="34" charset="0"/>
               </a:rPr>
               <a:t>確保個人電腦上已安裝</a:t>
@@ -10234,8 +10662,8 @@
             <a:r>
               <a:rPr lang="en-US" altLang="zh-TW" sz="2800" kern="100" dirty="0">
                 <a:effectLst/>
-                <a:latin typeface="微軟正黑體" panose="020B0604030504040204" pitchFamily="34" charset="-120"/>
-                <a:ea typeface="微軟正黑體" panose="020B0604030504040204" pitchFamily="34" charset="-120"/>
+                <a:latin typeface="標楷體" panose="03000509000000000000" pitchFamily="65" charset="-120"/>
+                <a:ea typeface="標楷體" panose="03000509000000000000" pitchFamily="65" charset="-120"/>
                 <a:cs typeface="Segoe UI" panose="020B0502040204020203" pitchFamily="34" charset="0"/>
               </a:rPr>
               <a:t>Python</a:t>
@@ -10243,15 +10671,15 @@
             <a:r>
               <a:rPr lang="zh-TW" altLang="zh-TW" sz="2800" kern="100" dirty="0">
                 <a:effectLst/>
-                <a:latin typeface="微軟正黑體" panose="020B0604030504040204" pitchFamily="34" charset="-120"/>
-                <a:ea typeface="微軟正黑體" panose="020B0604030504040204" pitchFamily="34" charset="-120"/>
+                <a:latin typeface="標楷體" panose="03000509000000000000" pitchFamily="65" charset="-120"/>
+                <a:ea typeface="標楷體" panose="03000509000000000000" pitchFamily="65" charset="-120"/>
                 <a:cs typeface="Segoe UI" panose="020B0502040204020203" pitchFamily="34" charset="0"/>
               </a:rPr>
               <a:t>、所選擇的編輯器</a:t>
             </a:r>
             <a:endParaRPr lang="en-US" altLang="zh-TW" sz="2800" kern="100" dirty="0">
-              <a:latin typeface="微軟正黑體" panose="020B0604030504040204" pitchFamily="34" charset="-120"/>
-              <a:ea typeface="微軟正黑體" panose="020B0604030504040204" pitchFamily="34" charset="-120"/>
+              <a:latin typeface="標楷體" panose="03000509000000000000" pitchFamily="65" charset="-120"/>
+              <a:ea typeface="標楷體" panose="03000509000000000000" pitchFamily="65" charset="-120"/>
               <a:cs typeface="Segoe UI" panose="020B0502040204020203" pitchFamily="34" charset="0"/>
             </a:endParaRPr>
           </a:p>
@@ -10263,8 +10691,8 @@
             <a:r>
               <a:rPr lang="en-US" altLang="zh-TW" sz="2800" kern="100" dirty="0">
                 <a:effectLst/>
-                <a:latin typeface="微軟正黑體" panose="020B0604030504040204" pitchFamily="34" charset="-120"/>
-                <a:ea typeface="微軟正黑體" panose="020B0604030504040204" pitchFamily="34" charset="-120"/>
+                <a:latin typeface="標楷體" panose="03000509000000000000" pitchFamily="65" charset="-120"/>
+                <a:ea typeface="標楷體" panose="03000509000000000000" pitchFamily="65" charset="-120"/>
                 <a:cs typeface="Times New Roman" panose="02020603050405020304" pitchFamily="18" charset="0"/>
               </a:rPr>
               <a:t> </a:t>
@@ -10272,8 +10700,8 @@
             <a:r>
               <a:rPr lang="zh-TW" altLang="zh-TW" sz="2800" kern="100" dirty="0">
                 <a:effectLst/>
-                <a:latin typeface="微軟正黑體" panose="020B0604030504040204" pitchFamily="34" charset="-120"/>
-                <a:ea typeface="微軟正黑體" panose="020B0604030504040204" pitchFamily="34" charset="-120"/>
+                <a:latin typeface="標楷體" panose="03000509000000000000" pitchFamily="65" charset="-120"/>
+                <a:ea typeface="標楷體" panose="03000509000000000000" pitchFamily="65" charset="-120"/>
                 <a:cs typeface="Times New Roman" panose="02020603050405020304" pitchFamily="18" charset="0"/>
               </a:rPr>
               <a:t>安裝與設定</a:t>
@@ -10281,8 +10709,8 @@
             <a:r>
               <a:rPr lang="zh-TW" altLang="en-US" sz="2800" kern="100" dirty="0">
                 <a:effectLst/>
-                <a:latin typeface="微軟正黑體" panose="020B0604030504040204" pitchFamily="34" charset="-120"/>
-                <a:ea typeface="微軟正黑體" panose="020B0604030504040204" pitchFamily="34" charset="-120"/>
+                <a:latin typeface="標楷體" panose="03000509000000000000" pitchFamily="65" charset="-120"/>
+                <a:ea typeface="標楷體" panose="03000509000000000000" pitchFamily="65" charset="-120"/>
                 <a:cs typeface="Times New Roman" panose="02020603050405020304" pitchFamily="18" charset="0"/>
               </a:rPr>
               <a:t>：</a:t>
@@ -10290,8 +10718,8 @@
             <a:r>
               <a:rPr lang="zh-TW" altLang="zh-TW" sz="2800" kern="100" dirty="0">
                 <a:effectLst/>
-                <a:latin typeface="微軟正黑體" panose="020B0604030504040204" pitchFamily="34" charset="-120"/>
-                <a:ea typeface="微軟正黑體" panose="020B0604030504040204" pitchFamily="34" charset="-120"/>
+                <a:latin typeface="標楷體" panose="03000509000000000000" pitchFamily="65" charset="-120"/>
+                <a:ea typeface="標楷體" panose="03000509000000000000" pitchFamily="65" charset="-120"/>
                 <a:cs typeface="Times New Roman" panose="02020603050405020304" pitchFamily="18" charset="0"/>
               </a:rPr>
               <a:t>使用編輯器建立一個新的專案，安裝相關套件，配置框架。設計資料庫結構以儲存菜單和訂單資訊。</a:t>
@@ -10430,29 +10858,30 @@
             <a:pPr rtl="0"/>
             <a:r>
               <a:rPr lang="zh-TW" altLang="en-US" sz="4800" dirty="0">
-                <a:latin typeface="微軟正黑體" panose="020B0604030504040204" pitchFamily="34" charset="-120"/>
-                <a:ea typeface="微軟正黑體" panose="020B0604030504040204" pitchFamily="34" charset="-120"/>
+                <a:latin typeface="標楷體" panose="03000509000000000000" pitchFamily="65" charset="-120"/>
+                <a:ea typeface="標楷體" panose="03000509000000000000" pitchFamily="65" charset="-120"/>
               </a:rPr>
               <a:t>製作方法</a:t>
             </a:r>
             <a:r>
               <a:rPr lang="en-US" altLang="zh-TW" sz="4800" dirty="0">
-                <a:latin typeface="微軟正黑體" panose="020B0604030504040204" pitchFamily="34" charset="-120"/>
-                <a:ea typeface="微軟正黑體" panose="020B0604030504040204" pitchFamily="34" charset="-120"/>
+                <a:latin typeface="標楷體" panose="03000509000000000000" pitchFamily="65" charset="-120"/>
+                <a:ea typeface="標楷體" panose="03000509000000000000" pitchFamily="65" charset="-120"/>
               </a:rPr>
               <a:t>-</a:t>
             </a:r>
             <a:r>
               <a:rPr lang="zh-TW" altLang="zh-TW" sz="4800" dirty="0">
                 <a:effectLst/>
-                <a:ea typeface="微軟正黑體" panose="020B0604030504040204" pitchFamily="34" charset="-120"/>
+                <a:latin typeface="標楷體" panose="03000509000000000000" pitchFamily="65" charset="-120"/>
+                <a:ea typeface="標楷體" panose="03000509000000000000" pitchFamily="65" charset="-120"/>
                 <a:cs typeface="Times New Roman" panose="02020603050405020304" pitchFamily="18" charset="0"/>
               </a:rPr>
               <a:t>解決方案步驟</a:t>
             </a:r>
             <a:endParaRPr lang="zh-TW" altLang="en-US" sz="4800" dirty="0">
-              <a:latin typeface="微軟正黑體" panose="020B0604030504040204" pitchFamily="34" charset="-120"/>
-              <a:ea typeface="微軟正黑體" panose="020B0604030504040204" pitchFamily="34" charset="-120"/>
+              <a:latin typeface="標楷體" panose="03000509000000000000" pitchFamily="65" charset="-120"/>
+              <a:ea typeface="標楷體" panose="03000509000000000000" pitchFamily="65" charset="-120"/>
             </a:endParaRPr>
           </a:p>
         </p:txBody>
@@ -10511,7 +10940,7 @@
         </p:nvSpPr>
         <p:spPr>
           <a:xfrm>
-            <a:off x="894261" y="1556084"/>
+            <a:off x="1177065" y="1858161"/>
             <a:ext cx="10006829" cy="4636169"/>
           </a:xfrm>
         </p:spPr>
@@ -10528,18 +10957,12 @@
             <a:r>
               <a:rPr lang="zh-TW" altLang="zh-TW" sz="2300" kern="100" dirty="0">
                 <a:effectLst/>
-                <a:latin typeface="Calibri" panose="020F0502020204030204" pitchFamily="34" charset="0"/>
-                <a:ea typeface="微軟正黑體" panose="020B0604030504040204" pitchFamily="34" charset="-120"/>
+                <a:latin typeface="標楷體" panose="03000509000000000000" pitchFamily="65" charset="-120"/>
+                <a:ea typeface="標楷體" panose="03000509000000000000" pitchFamily="65" charset="-120"/>
                 <a:cs typeface="Times New Roman" panose="02020603050405020304" pitchFamily="18" charset="0"/>
               </a:rPr>
               <a:t>設計菜單頁面：建立一個簡潔而直觀的菜單頁面，列出可供選擇的菜品、價格等資訊。</a:t>
             </a:r>
-            <a:endParaRPr lang="zh-TW" altLang="zh-TW" sz="2300" kern="100" dirty="0">
-              <a:effectLst/>
-              <a:latin typeface="Calibri" panose="020F0502020204030204" pitchFamily="34" charset="0"/>
-              <a:ea typeface="新細明體" panose="02020500000000000000" pitchFamily="18" charset="-120"/>
-              <a:cs typeface="Times New Roman" panose="02020603050405020304" pitchFamily="18" charset="0"/>
-            </a:endParaRPr>
           </a:p>
           <a:p>
             <a:pPr marL="285750" indent="-285750">
@@ -10549,18 +10972,12 @@
             <a:r>
               <a:rPr lang="zh-TW" altLang="zh-TW" sz="2300" kern="100" dirty="0">
                 <a:effectLst/>
-                <a:latin typeface="Calibri" panose="020F0502020204030204" pitchFamily="34" charset="0"/>
-                <a:ea typeface="微軟正黑體" panose="020B0604030504040204" pitchFamily="34" charset="-120"/>
+                <a:latin typeface="標楷體" panose="03000509000000000000" pitchFamily="65" charset="-120"/>
+                <a:ea typeface="標楷體" panose="03000509000000000000" pitchFamily="65" charset="-120"/>
                 <a:cs typeface="Times New Roman" panose="02020603050405020304" pitchFamily="18" charset="0"/>
               </a:rPr>
               <a:t>用戶訂餐功能：實現用戶能夠瀏覽菜單、選擇想要的菜品，將其加入購物車。</a:t>
             </a:r>
-            <a:endParaRPr lang="zh-TW" altLang="zh-TW" sz="2300" kern="100" dirty="0">
-              <a:effectLst/>
-              <a:latin typeface="Calibri" panose="020F0502020204030204" pitchFamily="34" charset="0"/>
-              <a:ea typeface="新細明體" panose="02020500000000000000" pitchFamily="18" charset="-120"/>
-              <a:cs typeface="Times New Roman" panose="02020603050405020304" pitchFamily="18" charset="0"/>
-            </a:endParaRPr>
           </a:p>
           <a:p>
             <a:pPr marL="285750" indent="-285750">
@@ -10570,18 +10987,12 @@
             <a:r>
               <a:rPr lang="zh-TW" altLang="zh-TW" sz="2300" kern="100" dirty="0">
                 <a:effectLst/>
-                <a:latin typeface="Calibri" panose="020F0502020204030204" pitchFamily="34" charset="0"/>
-                <a:ea typeface="微軟正黑體" panose="020B0604030504040204" pitchFamily="34" charset="-120"/>
+                <a:latin typeface="標楷體" panose="03000509000000000000" pitchFamily="65" charset="-120"/>
+                <a:ea typeface="標楷體" panose="03000509000000000000" pitchFamily="65" charset="-120"/>
                 <a:cs typeface="Times New Roman" panose="02020603050405020304" pitchFamily="18" charset="0"/>
               </a:rPr>
               <a:t>訂單結算頁面：建立一個結算頁面，顯示所選菜品的總價，提供結帳功能。</a:t>
             </a:r>
-            <a:endParaRPr lang="zh-TW" altLang="zh-TW" sz="2300" kern="100" dirty="0">
-              <a:effectLst/>
-              <a:latin typeface="Calibri" panose="020F0502020204030204" pitchFamily="34" charset="0"/>
-              <a:ea typeface="新細明體" panose="02020500000000000000" pitchFamily="18" charset="-120"/>
-              <a:cs typeface="Times New Roman" panose="02020603050405020304" pitchFamily="18" charset="0"/>
-            </a:endParaRPr>
           </a:p>
           <a:p>
             <a:pPr marL="285750" indent="-285750">
@@ -10591,18 +11002,12 @@
             <a:r>
               <a:rPr lang="zh-TW" altLang="zh-TW" sz="2300" kern="100" dirty="0">
                 <a:effectLst/>
-                <a:latin typeface="Calibri" panose="020F0502020204030204" pitchFamily="34" charset="0"/>
-                <a:ea typeface="微軟正黑體" panose="020B0604030504040204" pitchFamily="34" charset="-120"/>
+                <a:latin typeface="標楷體" panose="03000509000000000000" pitchFamily="65" charset="-120"/>
+                <a:ea typeface="標楷體" panose="03000509000000000000" pitchFamily="65" charset="-120"/>
                 <a:cs typeface="Times New Roman" panose="02020603050405020304" pitchFamily="18" charset="0"/>
               </a:rPr>
               <a:t>資料庫操作：設計資料庫結構，將訂單資訊儲存到資料庫中，儲存菜單資訊、訂單詳情等，以便管理與追蹤，實現資料庫的基本操作。</a:t>
             </a:r>
-            <a:endParaRPr lang="zh-TW" altLang="zh-TW" sz="2300" kern="100" dirty="0">
-              <a:effectLst/>
-              <a:latin typeface="Calibri" panose="020F0502020204030204" pitchFamily="34" charset="0"/>
-              <a:ea typeface="新細明體" panose="02020500000000000000" pitchFamily="18" charset="-120"/>
-              <a:cs typeface="Times New Roman" panose="02020603050405020304" pitchFamily="18" charset="0"/>
-            </a:endParaRPr>
           </a:p>
         </p:txBody>
       </p:sp>
@@ -10831,7 +11236,7 @@
           <p:cNvPr id="2" name="標題 1">
             <a:extLst>
               <a:ext uri="{FF2B5EF4-FFF2-40B4-BE49-F238E27FC236}">
-                <a16:creationId xmlns:a16="http://schemas.microsoft.com/office/drawing/2014/main" id="{4DFF222A-0050-42E6-8C3E-86E3C365C411}"/>
+                <a16:creationId xmlns:a16="http://schemas.microsoft.com/office/drawing/2014/main" id="{5A29E978-9605-417C-951F-53F4926CFF1A}"/>
               </a:ext>
             </a:extLst>
           </p:cNvPr>
@@ -10842,7 +11247,12 @@
             <p:ph type="title"/>
           </p:nvPr>
         </p:nvSpPr>
-        <p:spPr/>
+        <p:spPr>
+          <a:xfrm>
+            <a:off x="1118365" y="688601"/>
+            <a:ext cx="9955269" cy="601226"/>
+          </a:xfrm>
+        </p:spPr>
         <p:txBody>
           <a:bodyPr rtlCol="0">
             <a:noAutofit/>
@@ -10851,11 +11261,27 @@
           <a:p>
             <a:pPr rtl="0"/>
             <a:r>
+              <a:rPr lang="zh-TW" altLang="en-US" sz="4800" dirty="0">
+                <a:latin typeface="標楷體" panose="03000509000000000000" pitchFamily="65" charset="-120"/>
+                <a:ea typeface="標楷體" panose="03000509000000000000" pitchFamily="65" charset="-120"/>
+              </a:rPr>
+              <a:t>製作方法</a:t>
+            </a:r>
+            <a:r>
               <a:rPr lang="en-US" altLang="zh-TW" sz="4800" dirty="0">
                 <a:latin typeface="標楷體" panose="03000509000000000000" pitchFamily="65" charset="-120"/>
                 <a:ea typeface="標楷體" panose="03000509000000000000" pitchFamily="65" charset="-120"/>
               </a:rPr>
-              <a:t>DEMO</a:t>
+              <a:t>-</a:t>
+            </a:r>
+            <a:r>
+              <a:rPr lang="zh-TW" altLang="zh-TW" sz="4800" dirty="0">
+                <a:effectLst/>
+                <a:latin typeface="標楷體" panose="03000509000000000000" pitchFamily="65" charset="-120"/>
+                <a:ea typeface="標楷體" panose="03000509000000000000" pitchFamily="65" charset="-120"/>
+                <a:cs typeface="Times New Roman" panose="02020603050405020304" pitchFamily="18" charset="0"/>
+              </a:rPr>
+              <a:t>解決方案中所運用之技巧</a:t>
             </a:r>
             <a:endParaRPr lang="zh-TW" altLang="en-US" sz="4800" dirty="0">
               <a:latin typeface="標楷體" panose="03000509000000000000" pitchFamily="65" charset="-120"/>
@@ -10864,42 +11290,12 @@
           </a:p>
         </p:txBody>
       </p:sp>
-      <p:sp>
-        <p:nvSpPr>
-          <p:cNvPr id="9" name="文字版面配置區 8">
+      <p:pic>
+        <p:nvPicPr>
+          <p:cNvPr id="7" name="圖形 6" descr="齒輪圖示">
             <a:extLst>
               <a:ext uri="{FF2B5EF4-FFF2-40B4-BE49-F238E27FC236}">
-                <a16:creationId xmlns:a16="http://schemas.microsoft.com/office/drawing/2014/main" id="{1BD5DDD4-B30F-43B5-9BA0-190CC29E9665}"/>
-              </a:ext>
-            </a:extLst>
-          </p:cNvPr>
-          <p:cNvSpPr>
-            <a:spLocks noGrp="1"/>
-          </p:cNvSpPr>
-          <p:nvPr>
-            <p:ph type="body" sz="quarter" idx="12"/>
-          </p:nvPr>
-        </p:nvSpPr>
-        <p:spPr/>
-        <p:txBody>
-          <a:bodyPr rtlCol="0"/>
-          <a:lstStyle/>
-          <a:p>
-            <a:pPr lvl="2" rtl="0"/>
-            <a:endParaRPr lang="zh-TW" altLang="en-US" dirty="0"/>
-          </a:p>
-          <a:p>
-            <a:pPr rtl="0"/>
-            <a:endParaRPr lang="zh-TW" altLang="en-US" dirty="0"/>
-          </a:p>
-        </p:txBody>
-      </p:sp>
-      <p:pic>
-        <p:nvPicPr>
-          <p:cNvPr id="10" name="圖形 9" descr="星形圖示">
-            <a:extLst>
-              <a:ext uri="{FF2B5EF4-FFF2-40B4-BE49-F238E27FC236}">
-                <a16:creationId xmlns:a16="http://schemas.microsoft.com/office/drawing/2014/main" id="{F76D2371-447B-414B-9273-61F2CA39ACA2}"/>
+                <a16:creationId xmlns:a16="http://schemas.microsoft.com/office/drawing/2014/main" id="{DA9595F8-50AF-4C85-9BC5-B52646E113FB}"/>
               </a:ext>
             </a:extLst>
           </p:cNvPr>
@@ -10922,8 +11318,8 @@
         </p:blipFill>
         <p:spPr>
           <a:xfrm>
-            <a:off x="9897703" y="280289"/>
-            <a:ext cx="1044000" cy="1044000"/>
+            <a:off x="10751093" y="277750"/>
+            <a:ext cx="1122450" cy="1122450"/>
           </a:xfrm>
           <a:prstGeom prst="rect">
             <a:avLst/>
@@ -10932,70 +11328,153 @@
       </p:pic>
       <p:sp>
         <p:nvSpPr>
-          <p:cNvPr id="3" name="文字方塊 2">
+          <p:cNvPr id="4" name="文字版面配置區 3">
             <a:extLst>
               <a:ext uri="{FF2B5EF4-FFF2-40B4-BE49-F238E27FC236}">
-                <a16:creationId xmlns:a16="http://schemas.microsoft.com/office/drawing/2014/main" id="{CCB831FC-65D0-C0EC-A018-9E02AE2FCD7F}"/>
+                <a16:creationId xmlns:a16="http://schemas.microsoft.com/office/drawing/2014/main" id="{4986B87E-83DC-455A-94FE-389658903147}"/>
               </a:ext>
             </a:extLst>
           </p:cNvPr>
-          <p:cNvSpPr txBox="1"/>
-          <p:nvPr/>
+          <p:cNvSpPr>
+            <a:spLocks noGrp="1"/>
+          </p:cNvSpPr>
+          <p:nvPr>
+            <p:ph type="body" sz="half" idx="2"/>
+          </p:nvPr>
         </p:nvSpPr>
         <p:spPr>
           <a:xfrm>
-            <a:off x="2622431" y="2921168"/>
-            <a:ext cx="5874588" cy="1015663"/>
+            <a:off x="179081" y="1700678"/>
+            <a:ext cx="8051776" cy="4636169"/>
+          </a:xfrm>
+        </p:spPr>
+        <p:txBody>
+          <a:bodyPr rtlCol="0">
+            <a:normAutofit/>
+          </a:bodyPr>
+          <a:lstStyle/>
+          <a:p>
+            <a:pPr marL="342900" lvl="0" indent="-342900">
+              <a:buFont typeface="Arial" panose="020B0604020202020204" pitchFamily="34" charset="0"/>
+              <a:buChar char="•"/>
+            </a:pPr>
+            <a:r>
+              <a:rPr lang="zh-TW" altLang="zh-TW" sz="3600" kern="100" dirty="0">
+                <a:effectLst/>
+                <a:latin typeface="標楷體" panose="03000509000000000000" pitchFamily="65" charset="-120"/>
+                <a:ea typeface="標楷體" panose="03000509000000000000" pitchFamily="65" charset="-120"/>
+                <a:cs typeface="Times New Roman" panose="02020603050405020304" pitchFamily="18" charset="0"/>
+              </a:rPr>
+              <a:t>使用</a:t>
+            </a:r>
+            <a:r>
+              <a:rPr lang="en-US" altLang="zh-TW" sz="3600" kern="100" dirty="0">
+                <a:effectLst/>
+                <a:latin typeface="標楷體" panose="03000509000000000000" pitchFamily="65" charset="-120"/>
+                <a:ea typeface="標楷體" panose="03000509000000000000" pitchFamily="65" charset="-120"/>
+                <a:cs typeface="Times New Roman" panose="02020603050405020304" pitchFamily="18" charset="0"/>
+              </a:rPr>
+              <a:t> Flask</a:t>
+            </a:r>
+            <a:r>
+              <a:rPr lang="zh-TW" altLang="zh-TW" sz="3600" kern="100" dirty="0">
+                <a:effectLst/>
+                <a:latin typeface="標楷體" panose="03000509000000000000" pitchFamily="65" charset="-120"/>
+                <a:ea typeface="標楷體" panose="03000509000000000000" pitchFamily="65" charset="-120"/>
+                <a:cs typeface="Times New Roman" panose="02020603050405020304" pitchFamily="18" charset="0"/>
+              </a:rPr>
+              <a:t>框架快速搭建網頁應用，簡化開發流程。</a:t>
+            </a:r>
+          </a:p>
+          <a:p>
+            <a:pPr marL="342900" lvl="0" indent="-342900">
+              <a:buFont typeface="Arial" panose="020B0604020202020204" pitchFamily="34" charset="0"/>
+              <a:buChar char="•"/>
+            </a:pPr>
+            <a:r>
+              <a:rPr lang="zh-TW" altLang="zh-TW" sz="3600" kern="100" dirty="0">
+                <a:effectLst/>
+                <a:latin typeface="標楷體" panose="03000509000000000000" pitchFamily="65" charset="-120"/>
+                <a:ea typeface="標楷體" panose="03000509000000000000" pitchFamily="65" charset="-120"/>
+                <a:cs typeface="Times New Roman" panose="02020603050405020304" pitchFamily="18" charset="0"/>
+              </a:rPr>
+              <a:t>利用資料庫實現訂單資訊的永久儲存和查詢。</a:t>
+            </a:r>
+          </a:p>
+          <a:p>
+            <a:pPr marL="342900" lvl="0" indent="-342900">
+              <a:buFont typeface="Arial" panose="020B0604020202020204" pitchFamily="34" charset="0"/>
+              <a:buChar char="•"/>
+            </a:pPr>
+            <a:r>
+              <a:rPr lang="zh-TW" altLang="zh-TW" sz="3600" kern="100" dirty="0">
+                <a:effectLst/>
+                <a:latin typeface="標楷體" panose="03000509000000000000" pitchFamily="65" charset="-120"/>
+                <a:ea typeface="標楷體" panose="03000509000000000000" pitchFamily="65" charset="-120"/>
+                <a:cs typeface="Times New Roman" panose="02020603050405020304" pitchFamily="18" charset="0"/>
+              </a:rPr>
+              <a:t>使用模板美化前端顯示，提供更好的用戶體驗。</a:t>
+            </a:r>
+          </a:p>
+        </p:txBody>
+      </p:sp>
+      <p:sp>
+        <p:nvSpPr>
+          <p:cNvPr id="5" name="頁尾版面配置區 4"/>
+          <p:cNvSpPr>
+            <a:spLocks noGrp="1"/>
+          </p:cNvSpPr>
+          <p:nvPr>
+            <p:ph type="ftr" sz="quarter" idx="11"/>
+          </p:nvPr>
+        </p:nvSpPr>
+        <p:spPr/>
+        <p:txBody>
+          <a:bodyPr/>
+          <a:lstStyle/>
+          <a:p>
+            <a:r>
+              <a:rPr lang="en-US" altLang="zh-TW" noProof="0" dirty="0"/>
+              <a:t>5</a:t>
+            </a:r>
+            <a:endParaRPr lang="zh-TW" altLang="en-US" noProof="0" dirty="0"/>
+          </a:p>
+        </p:txBody>
+      </p:sp>
+      <p:pic>
+        <p:nvPicPr>
+          <p:cNvPr id="6" name="圖片 5">
+            <a:extLst>
+              <a:ext uri="{FF2B5EF4-FFF2-40B4-BE49-F238E27FC236}">
+                <a16:creationId xmlns:a16="http://schemas.microsoft.com/office/drawing/2014/main" id="{99FDC36E-16B0-ECA7-E7E4-E3730357B100}"/>
+              </a:ext>
+            </a:extLst>
+          </p:cNvPr>
+          <p:cNvPicPr>
+            <a:picLocks noChangeAspect="1"/>
+          </p:cNvPicPr>
+          <p:nvPr/>
+        </p:nvPicPr>
+        <p:blipFill>
+          <a:blip r:embed="rId5"/>
+          <a:stretch>
+            <a:fillRect/>
+          </a:stretch>
+        </p:blipFill>
+        <p:spPr>
+          <a:xfrm>
+            <a:off x="8230857" y="2347151"/>
+            <a:ext cx="3868160" cy="2163697"/>
           </a:xfrm>
           <a:prstGeom prst="rect">
             <a:avLst/>
           </a:prstGeom>
-          <a:noFill/>
         </p:spPr>
-        <p:txBody>
-          <a:bodyPr wrap="square" rtlCol="0">
-            <a:spAutoFit/>
-          </a:bodyPr>
-          <a:lstStyle/>
-          <a:p>
-            <a:pPr algn="ctr"/>
-            <a:r>
-              <a:rPr lang="zh-TW" altLang="en-US" sz="6000" dirty="0">
-                <a:latin typeface="標楷體" panose="03000509000000000000" pitchFamily="65" charset="-120"/>
-                <a:ea typeface="標楷體" panose="03000509000000000000" pitchFamily="65" charset="-120"/>
-              </a:rPr>
-              <a:t>現場示範</a:t>
-            </a:r>
-          </a:p>
-        </p:txBody>
-      </p:sp>
-      <p:sp>
-        <p:nvSpPr>
-          <p:cNvPr id="5" name="頁尾版面配置區 4"/>
-          <p:cNvSpPr>
-            <a:spLocks noGrp="1"/>
-          </p:cNvSpPr>
-          <p:nvPr>
-            <p:ph type="ftr" sz="quarter" idx="11"/>
-          </p:nvPr>
-        </p:nvSpPr>
-        <p:spPr/>
-        <p:txBody>
-          <a:bodyPr/>
-          <a:lstStyle/>
-          <a:p>
-            <a:r>
-              <a:rPr lang="en-US" altLang="zh-TW" noProof="0" dirty="0"/>
-              <a:t>10</a:t>
-            </a:r>
-            <a:endParaRPr lang="zh-TW" altLang="en-US" noProof="0" dirty="0"/>
-          </a:p>
-        </p:txBody>
-      </p:sp>
+      </p:pic>
     </p:spTree>
     <p:extLst>
       <p:ext uri="{BB962C8B-B14F-4D97-AF65-F5344CB8AC3E}">
-        <p14:creationId xmlns:p14="http://schemas.microsoft.com/office/powerpoint/2010/main" val="1743385005"/>
+        <p14:creationId xmlns:p14="http://schemas.microsoft.com/office/powerpoint/2010/main" val="1941188754"/>
       </p:ext>
     </p:extLst>
   </p:cSld>
